--- a/SMART CART_final.pptx
+++ b/SMART CART_final.pptx
@@ -5,40 +5,40 @@
     <p:sldMasterId id="2147483648" r:id="rId1"/>
   </p:sldMasterIdLst>
   <p:notesMasterIdLst>
-    <p:notesMasterId r:id="rId9"/>
+    <p:notesMasterId r:id="rId33"/>
   </p:notesMasterIdLst>
   <p:sldIdLst>
-    <p:sldId id="256" r:id="rId3"/>
-    <p:sldId id="263" r:id="rId4"/>
-    <p:sldId id="266" r:id="rId5"/>
-    <p:sldId id="264" r:id="rId6"/>
-    <p:sldId id="265" r:id="rId7"/>
-    <p:sldId id="260" r:id="rId8"/>
-    <p:sldId id="261" r:id="rId10"/>
-    <p:sldId id="277" r:id="rId11"/>
-    <p:sldId id="278" r:id="rId12"/>
-    <p:sldId id="279" r:id="rId13"/>
-    <p:sldId id="280" r:id="rId14"/>
-    <p:sldId id="281" r:id="rId15"/>
-    <p:sldId id="282" r:id="rId16"/>
-    <p:sldId id="283" r:id="rId17"/>
-    <p:sldId id="284" r:id="rId18"/>
-    <p:sldId id="285" r:id="rId19"/>
-    <p:sldId id="286" r:id="rId20"/>
-    <p:sldId id="287" r:id="rId21"/>
-    <p:sldId id="288" r:id="rId22"/>
-    <p:sldId id="257" r:id="rId23"/>
-    <p:sldId id="258" r:id="rId24"/>
-    <p:sldId id="259" r:id="rId25"/>
-    <p:sldId id="262" r:id="rId26"/>
-    <p:sldId id="267" r:id="rId27"/>
-    <p:sldId id="290" r:id="rId28"/>
-    <p:sldId id="291" r:id="rId29"/>
-    <p:sldId id="293" r:id="rId30"/>
-    <p:sldId id="294" r:id="rId31"/>
-    <p:sldId id="295" r:id="rId32"/>
-    <p:sldId id="296" r:id="rId33"/>
-    <p:sldId id="297" r:id="rId34"/>
+    <p:sldId id="256" r:id="rId2"/>
+    <p:sldId id="263" r:id="rId3"/>
+    <p:sldId id="266" r:id="rId4"/>
+    <p:sldId id="264" r:id="rId5"/>
+    <p:sldId id="265" r:id="rId6"/>
+    <p:sldId id="260" r:id="rId7"/>
+    <p:sldId id="261" r:id="rId8"/>
+    <p:sldId id="277" r:id="rId9"/>
+    <p:sldId id="278" r:id="rId10"/>
+    <p:sldId id="279" r:id="rId11"/>
+    <p:sldId id="280" r:id="rId12"/>
+    <p:sldId id="281" r:id="rId13"/>
+    <p:sldId id="282" r:id="rId14"/>
+    <p:sldId id="283" r:id="rId15"/>
+    <p:sldId id="284" r:id="rId16"/>
+    <p:sldId id="285" r:id="rId17"/>
+    <p:sldId id="286" r:id="rId18"/>
+    <p:sldId id="287" r:id="rId19"/>
+    <p:sldId id="288" r:id="rId20"/>
+    <p:sldId id="257" r:id="rId21"/>
+    <p:sldId id="258" r:id="rId22"/>
+    <p:sldId id="259" r:id="rId23"/>
+    <p:sldId id="262" r:id="rId24"/>
+    <p:sldId id="267" r:id="rId25"/>
+    <p:sldId id="290" r:id="rId26"/>
+    <p:sldId id="291" r:id="rId27"/>
+    <p:sldId id="293" r:id="rId28"/>
+    <p:sldId id="294" r:id="rId29"/>
+    <p:sldId id="295" r:id="rId30"/>
+    <p:sldId id="296" r:id="rId31"/>
+    <p:sldId id="297" r:id="rId32"/>
   </p:sldIdLst>
   <p:sldSz cx="12192000" cy="6858000"/>
   <p:notesSz cx="6858000" cy="9144000"/>
@@ -137,11 +137,16 @@
       </a:defRPr>
     </a:lvl9pPr>
   </p:defaultTextStyle>
+  <p:extLst>
+    <p:ext uri="{EFAFB233-063F-42B5-8137-9DF3F51BA10A}">
+      <p15:sldGuideLst xmlns:p15="http://schemas.microsoft.com/office/powerpoint/2012/main"/>
+    </p:ext>
+  </p:extLst>
 </p:presentation>
 </file>
 
 <file path=ppt/diagrams/colors1.xml><?xml version="1.0" encoding="utf-8"?>
-<dgm:colorsDef xmlns:dgm="http://schemas.openxmlformats.org/drawingml/2006/diagram" xmlns:a="http://schemas.openxmlformats.org/drawingml/2006/main" uniqueId="urn:microsoft.com/office/officeart/2005/8/colors/accent1_2">
+<dgm:colorsDef xmlns:dgm="http://schemas.openxmlformats.org/drawingml/2006/diagram" xmlns:a="http://schemas.openxmlformats.org/drawingml/2006/main" uniqueId="urn:microsoft.com/office/officeart/2005/8/colors/accent1_2#1">
   <dgm:title val=""/>
   <dgm:desc val=""/>
   <dgm:catLst>
@@ -891,7 +896,7 @@
 <dgm:dataModel xmlns:dgm="http://schemas.openxmlformats.org/drawingml/2006/diagram" xmlns:a="http://schemas.openxmlformats.org/drawingml/2006/main">
   <dgm:ptLst>
     <dgm:pt modelId="{5330CB85-0590-4B0E-8DEB-17C7277CD89A}" type="doc">
-      <dgm:prSet loTypeId="urn:microsoft.com/office/officeart/2005/8/layout/process3" loCatId="process" qsTypeId="urn:microsoft.com/office/officeart/2005/8/quickstyle/simple1" qsCatId="simple" csTypeId="urn:microsoft.com/office/officeart/2005/8/colors/accent1_2" csCatId="accent1" phldr="1"/>
+      <dgm:prSet loTypeId="urn:microsoft.com/office/officeart/2005/8/layout/process3#1" loCatId="process" qsTypeId="urn:microsoft.com/office/officeart/2005/8/quickstyle/simple1#1" qsCatId="simple" csTypeId="urn:microsoft.com/office/officeart/2005/8/colors/accent1_2#1" csCatId="accent1" phldr="1"/>
       <dgm:spPr/>
     </dgm:pt>
     <dgm:pt modelId="{5DDDB26C-EA6F-40B8-8C19-B83E3689FAC3}">
@@ -902,14 +907,13 @@
         <a:lstStyle/>
         <a:p>
           <a:r>
-            <a:rPr lang="en-CA" dirty="0" smtClean="0"/>
+            <a:rPr lang="en-CA" dirty="0"/>
             <a:t>TOP SELLING ITEMS</a:t>
           </a:r>
-          <a:endParaRPr lang="en-CA" dirty="0"/>
         </a:p>
       </dgm:t>
     </dgm:pt>
-    <dgm:pt modelId="{10646A2E-433E-434A-9E32-69F08329F998}" cxnId="{AA027962-E54B-4DDF-B215-68D0219EED72}" type="parTrans">
+    <dgm:pt modelId="{10646A2E-433E-434A-9E32-69F08329F998}" type="parTrans" cxnId="{AA027962-E54B-4DDF-B215-68D0219EED72}">
       <dgm:prSet/>
       <dgm:spPr/>
       <dgm:t>
@@ -920,7 +924,7 @@
         </a:p>
       </dgm:t>
     </dgm:pt>
-    <dgm:pt modelId="{FB42DACD-8CB4-4BBF-8D23-243F6EBADF0A}" cxnId="{AA027962-E54B-4DDF-B215-68D0219EED72}" type="sibTrans">
+    <dgm:pt modelId="{FB42DACD-8CB4-4BBF-8D23-243F6EBADF0A}" type="sibTrans" cxnId="{AA027962-E54B-4DDF-B215-68D0219EED72}">
       <dgm:prSet/>
       <dgm:spPr/>
       <dgm:t>
@@ -939,14 +943,13 @@
         <a:lstStyle/>
         <a:p>
           <a:r>
-            <a:rPr lang="en-CA" dirty="0" smtClean="0"/>
+            <a:rPr lang="en-CA" dirty="0"/>
             <a:t>SHOPPING BAG</a:t>
           </a:r>
-          <a:endParaRPr lang="en-CA" dirty="0"/>
         </a:p>
       </dgm:t>
     </dgm:pt>
-    <dgm:pt modelId="{1853B8B8-0D9A-4545-A138-9B1AD2719D93}" cxnId="{89D03E6B-B062-4BF2-8DDB-631E8F00911C}" type="parTrans">
+    <dgm:pt modelId="{1853B8B8-0D9A-4545-A138-9B1AD2719D93}" type="parTrans" cxnId="{89D03E6B-B062-4BF2-8DDB-631E8F00911C}">
       <dgm:prSet/>
       <dgm:spPr/>
       <dgm:t>
@@ -957,7 +960,7 @@
         </a:p>
       </dgm:t>
     </dgm:pt>
-    <dgm:pt modelId="{3A92C2D0-D06D-4924-96F6-995FED94B007}" cxnId="{89D03E6B-B062-4BF2-8DDB-631E8F00911C}" type="sibTrans">
+    <dgm:pt modelId="{3A92C2D0-D06D-4924-96F6-995FED94B007}" type="sibTrans" cxnId="{89D03E6B-B062-4BF2-8DDB-631E8F00911C}">
       <dgm:prSet/>
       <dgm:spPr/>
       <dgm:t>
@@ -976,14 +979,13 @@
         <a:lstStyle/>
         <a:p>
           <a:r>
-            <a:rPr lang="en-CA" dirty="0" smtClean="0"/>
+            <a:rPr lang="en-CA" dirty="0"/>
             <a:t>ORDERS</a:t>
           </a:r>
-          <a:endParaRPr lang="en-CA" dirty="0"/>
         </a:p>
       </dgm:t>
     </dgm:pt>
-    <dgm:pt modelId="{295A7779-E96A-4786-B4FB-F6B11EA495CF}" cxnId="{944D7133-7F07-4798-929A-21CE156E5B06}" type="parTrans">
+    <dgm:pt modelId="{295A7779-E96A-4786-B4FB-F6B11EA495CF}" type="parTrans" cxnId="{944D7133-7F07-4798-929A-21CE156E5B06}">
       <dgm:prSet/>
       <dgm:spPr/>
       <dgm:t>
@@ -994,7 +996,7 @@
         </a:p>
       </dgm:t>
     </dgm:pt>
-    <dgm:pt modelId="{944A2192-60F0-4613-BF4B-335B39A15A98}" cxnId="{944D7133-7F07-4798-929A-21CE156E5B06}" type="sibTrans">
+    <dgm:pt modelId="{944A2192-60F0-4613-BF4B-335B39A15A98}" type="sibTrans" cxnId="{944D7133-7F07-4798-929A-21CE156E5B06}">
       <dgm:prSet/>
       <dgm:spPr/>
       <dgm:t>
@@ -1013,14 +1015,13 @@
         <a:lstStyle/>
         <a:p>
           <a:r>
-            <a:rPr lang="en-CA" dirty="0" smtClean="0"/>
+            <a:rPr lang="en-CA" dirty="0"/>
             <a:t>ITEMS ADDED TO CART</a:t>
           </a:r>
-          <a:endParaRPr lang="en-CA" dirty="0"/>
         </a:p>
       </dgm:t>
     </dgm:pt>
-    <dgm:pt modelId="{05201D47-5F1E-42DB-AEDF-37B0261B7687}" cxnId="{D3C81665-A45E-4C51-B14E-FB85143893DE}" type="parTrans">
+    <dgm:pt modelId="{05201D47-5F1E-42DB-AEDF-37B0261B7687}" type="parTrans" cxnId="{D3C81665-A45E-4C51-B14E-FB85143893DE}">
       <dgm:prSet/>
       <dgm:spPr/>
       <dgm:t>
@@ -1031,7 +1032,7 @@
         </a:p>
       </dgm:t>
     </dgm:pt>
-    <dgm:pt modelId="{0E94540D-DBC2-4C9F-819C-6DFA5DFBAFF3}" cxnId="{D3C81665-A45E-4C51-B14E-FB85143893DE}" type="sibTrans">
+    <dgm:pt modelId="{0E94540D-DBC2-4C9F-819C-6DFA5DFBAFF3}" type="sibTrans" cxnId="{D3C81665-A45E-4C51-B14E-FB85143893DE}">
       <dgm:prSet/>
       <dgm:spPr/>
       <dgm:t>
@@ -1050,14 +1051,13 @@
         <a:lstStyle/>
         <a:p>
           <a:r>
-            <a:rPr lang="en-CA" dirty="0" smtClean="0"/>
+            <a:rPr lang="en-CA" dirty="0"/>
             <a:t>RECOMMENDS FREQUENTLY ITEM BASED ON CART ITEMS</a:t>
           </a:r>
-          <a:endParaRPr lang="en-CA" dirty="0"/>
         </a:p>
       </dgm:t>
     </dgm:pt>
-    <dgm:pt modelId="{61CC2143-C5CE-4F60-ACF1-E1235AD1337C}" cxnId="{8BB3BE91-C9D2-494B-9E64-E5A235F0434E}" type="parTrans">
+    <dgm:pt modelId="{61CC2143-C5CE-4F60-ACF1-E1235AD1337C}" type="parTrans" cxnId="{8BB3BE91-C9D2-494B-9E64-E5A235F0434E}">
       <dgm:prSet/>
       <dgm:spPr/>
       <dgm:t>
@@ -1068,7 +1068,7 @@
         </a:p>
       </dgm:t>
     </dgm:pt>
-    <dgm:pt modelId="{15E40160-10AE-4BCF-90AD-FE9EEA5A02F1}" cxnId="{8BB3BE91-C9D2-494B-9E64-E5A235F0434E}" type="sibTrans">
+    <dgm:pt modelId="{15E40160-10AE-4BCF-90AD-FE9EEA5A02F1}" type="sibTrans" cxnId="{8BB3BE91-C9D2-494B-9E64-E5A235F0434E}">
       <dgm:prSet/>
       <dgm:spPr/>
       <dgm:t>
@@ -1087,14 +1087,13 @@
         <a:lstStyle/>
         <a:p>
           <a:r>
-            <a:rPr lang="en-CA" dirty="0" smtClean="0"/>
+            <a:rPr lang="en-CA" dirty="0"/>
             <a:t>RECOMMENDS SIMILAR ITEMS BASED ON CART ITEMS</a:t>
           </a:r>
-          <a:endParaRPr lang="en-CA" dirty="0"/>
         </a:p>
       </dgm:t>
     </dgm:pt>
-    <dgm:pt modelId="{553EFD92-47BF-4799-A0E0-0B54A32DE648}" cxnId="{D4E72D2D-D7CD-44AF-9A9E-D0A69D4E1198}" type="parTrans">
+    <dgm:pt modelId="{553EFD92-47BF-4799-A0E0-0B54A32DE648}" type="parTrans" cxnId="{D4E72D2D-D7CD-44AF-9A9E-D0A69D4E1198}">
       <dgm:prSet/>
       <dgm:spPr/>
       <dgm:t>
@@ -1105,7 +1104,7 @@
         </a:p>
       </dgm:t>
     </dgm:pt>
-    <dgm:pt modelId="{2B2DE6A1-8CCD-402D-92E7-9E6FCDD59701}" cxnId="{D4E72D2D-D7CD-44AF-9A9E-D0A69D4E1198}" type="sibTrans">
+    <dgm:pt modelId="{2B2DE6A1-8CCD-402D-92E7-9E6FCDD59701}" type="sibTrans" cxnId="{D4E72D2D-D7CD-44AF-9A9E-D0A69D4E1198}">
       <dgm:prSet/>
       <dgm:spPr/>
       <dgm:t>
@@ -1139,24 +1138,10 @@
         </dgm:presLayoutVars>
       </dgm:prSet>
       <dgm:spPr/>
-      <dgm:t>
-        <a:bodyPr/>
-        <a:lstStyle/>
-        <a:p>
-          <a:endParaRPr lang="en-CA"/>
-        </a:p>
-      </dgm:t>
     </dgm:pt>
     <dgm:pt modelId="{6F211E20-DA4A-4F92-AB67-DFF1B42E6B2E}" type="pres">
       <dgm:prSet presAssocID="{5DDDB26C-EA6F-40B8-8C19-B83E3689FAC3}" presName="parSh" presStyleLbl="node1" presStyleIdx="0" presStyleCnt="3"/>
       <dgm:spPr/>
-      <dgm:t>
-        <a:bodyPr/>
-        <a:lstStyle/>
-        <a:p>
-          <a:endParaRPr lang="en-CA"/>
-        </a:p>
-      </dgm:t>
     </dgm:pt>
     <dgm:pt modelId="{580C7B04-7DDC-45E9-9E2C-9FE714503512}" type="pres">
       <dgm:prSet presAssocID="{5DDDB26C-EA6F-40B8-8C19-B83E3689FAC3}" presName="desTx" presStyleLbl="fgAcc1" presStyleIdx="0" presStyleCnt="3">
@@ -1165,13 +1150,6 @@
         </dgm:presLayoutVars>
       </dgm:prSet>
       <dgm:spPr/>
-      <dgm:t>
-        <a:bodyPr/>
-        <a:lstStyle/>
-        <a:p>
-          <a:endParaRPr lang="en-CA"/>
-        </a:p>
-      </dgm:t>
     </dgm:pt>
     <dgm:pt modelId="{6E09A826-FDA9-435C-B54F-D447A9166030}" type="pres">
       <dgm:prSet presAssocID="{FB42DACD-8CB4-4BBF-8D23-243F6EBADF0A}" presName="sibTrans" presStyleLbl="sibTrans2D1" presStyleIdx="0" presStyleCnt="2"/>
@@ -1243,48 +1221,48 @@
     </dgm:pt>
   </dgm:ptLst>
   <dgm:cxnLst>
-    <dgm:cxn modelId="{D1BE1D46-08E9-4FDE-92A6-84F7551558BE}" type="presOf" srcId="{C2F15385-12F8-48D1-A08D-D4FFD3BA9DB7}" destId="{07BB813E-2D3F-4808-BF4F-D4362ED5C4F2}" srcOrd="0" destOrd="0" presId="urn:microsoft.com/office/officeart/2005/8/layout/process3"/>
-    <dgm:cxn modelId="{B637A898-A82C-475C-9D42-C24CCAF7057B}" type="presOf" srcId="{C2F15385-12F8-48D1-A08D-D4FFD3BA9DB7}" destId="{11F97F72-92DA-44B7-9A77-7C959FCA6D53}" srcOrd="1" destOrd="0" presId="urn:microsoft.com/office/officeart/2005/8/layout/process3"/>
+    <dgm:cxn modelId="{C60CC817-BCBA-4C4C-9842-AB72CD3B752A}" type="presOf" srcId="{5330CB85-0590-4B0E-8DEB-17C7277CD89A}" destId="{41605CEB-6A84-4778-8092-EF24599CE6DA}" srcOrd="0" destOrd="0" presId="urn:microsoft.com/office/officeart/2005/8/layout/process3#1"/>
+    <dgm:cxn modelId="{57C4A324-DD6F-485A-A634-75D690FA4A6D}" type="presOf" srcId="{5DDDB26C-EA6F-40B8-8C19-B83E3689FAC3}" destId="{72C23F13-CCE6-4D9F-AA29-DC095D7E2073}" srcOrd="0" destOrd="0" presId="urn:microsoft.com/office/officeart/2005/8/layout/process3#1"/>
+    <dgm:cxn modelId="{D4E72D2D-D7CD-44AF-9A9E-D0A69D4E1198}" srcId="{C2F15385-12F8-48D1-A08D-D4FFD3BA9DB7}" destId="{F8427333-89D4-4F21-9BE4-E59E8F273CF9}" srcOrd="0" destOrd="0" parTransId="{553EFD92-47BF-4799-A0E0-0B54A32DE648}" sibTransId="{2B2DE6A1-8CCD-402D-92E7-9E6FCDD59701}"/>
+    <dgm:cxn modelId="{944D7133-7F07-4798-929A-21CE156E5B06}" srcId="{5330CB85-0590-4B0E-8DEB-17C7277CD89A}" destId="{C2F15385-12F8-48D1-A08D-D4FFD3BA9DB7}" srcOrd="2" destOrd="0" parTransId="{295A7779-E96A-4786-B4FB-F6B11EA495CF}" sibTransId="{944A2192-60F0-4613-BF4B-335B39A15A98}"/>
     <dgm:cxn modelId="{AA027962-E54B-4DDF-B215-68D0219EED72}" srcId="{5330CB85-0590-4B0E-8DEB-17C7277CD89A}" destId="{5DDDB26C-EA6F-40B8-8C19-B83E3689FAC3}" srcOrd="0" destOrd="0" parTransId="{10646A2E-433E-434A-9E32-69F08329F998}" sibTransId="{FB42DACD-8CB4-4BBF-8D23-243F6EBADF0A}"/>
-    <dgm:cxn modelId="{B4240E44-136F-4DBB-8EA1-34E1766A16D1}" type="presOf" srcId="{880F3D45-5A8F-44EA-B9D0-B35DEAEF8884}" destId="{C1D0EBB1-B119-4D18-9331-685BB5E64139}" srcOrd="0" destOrd="0" presId="urn:microsoft.com/office/officeart/2005/8/layout/process3"/>
-    <dgm:cxn modelId="{1C4052E5-FC9E-445F-8E66-6BBA138A95A7}" type="presOf" srcId="{13702E1F-43C7-490D-B799-C3C66F4B94E9}" destId="{580C7B04-7DDC-45E9-9E2C-9FE714503512}" srcOrd="0" destOrd="0" presId="urn:microsoft.com/office/officeart/2005/8/layout/process3"/>
-    <dgm:cxn modelId="{735FFBB0-2A94-4B44-AC64-8B3364EC9A68}" type="presOf" srcId="{BAF73641-E59C-4821-814B-A8C26902B9D1}" destId="{B4A2C490-A3CF-422A-8052-DFF4F063B181}" srcOrd="0" destOrd="0" presId="urn:microsoft.com/office/officeart/2005/8/layout/process3"/>
+    <dgm:cxn modelId="{B4240E44-136F-4DBB-8EA1-34E1766A16D1}" type="presOf" srcId="{880F3D45-5A8F-44EA-B9D0-B35DEAEF8884}" destId="{C1D0EBB1-B119-4D18-9331-685BB5E64139}" srcOrd="0" destOrd="0" presId="urn:microsoft.com/office/officeart/2005/8/layout/process3#1"/>
+    <dgm:cxn modelId="{D3C81665-A45E-4C51-B14E-FB85143893DE}" srcId="{5DDDB26C-EA6F-40B8-8C19-B83E3689FAC3}" destId="{13702E1F-43C7-490D-B799-C3C66F4B94E9}" srcOrd="0" destOrd="0" parTransId="{05201D47-5F1E-42DB-AEDF-37B0261B7687}" sibTransId="{0E94540D-DBC2-4C9F-819C-6DFA5DFBAFF3}"/>
+    <dgm:cxn modelId="{D1BE1D46-08E9-4FDE-92A6-84F7551558BE}" type="presOf" srcId="{C2F15385-12F8-48D1-A08D-D4FFD3BA9DB7}" destId="{07BB813E-2D3F-4808-BF4F-D4362ED5C4F2}" srcOrd="0" destOrd="0" presId="urn:microsoft.com/office/officeart/2005/8/layout/process3#1"/>
+    <dgm:cxn modelId="{89D03E6B-B062-4BF2-8DDB-631E8F00911C}" srcId="{5330CB85-0590-4B0E-8DEB-17C7277CD89A}" destId="{880F3D45-5A8F-44EA-B9D0-B35DEAEF8884}" srcOrd="1" destOrd="0" parTransId="{1853B8B8-0D9A-4545-A138-9B1AD2719D93}" sibTransId="{3A92C2D0-D06D-4924-96F6-995FED94B007}"/>
+    <dgm:cxn modelId="{913A477C-C6F3-40A4-B0A3-A78FF9DCCE95}" type="presOf" srcId="{FB42DACD-8CB4-4BBF-8D23-243F6EBADF0A}" destId="{6E09A826-FDA9-435C-B54F-D447A9166030}" srcOrd="0" destOrd="0" presId="urn:microsoft.com/office/officeart/2005/8/layout/process3#1"/>
+    <dgm:cxn modelId="{EDB03B87-557A-4CFD-BC81-C036EF4DA699}" type="presOf" srcId="{880F3D45-5A8F-44EA-B9D0-B35DEAEF8884}" destId="{594B0FF9-557B-4189-B3FD-2E54E3D7EE2A}" srcOrd="1" destOrd="0" presId="urn:microsoft.com/office/officeart/2005/8/layout/process3#1"/>
     <dgm:cxn modelId="{8BB3BE91-C9D2-494B-9E64-E5A235F0434E}" srcId="{880F3D45-5A8F-44EA-B9D0-B35DEAEF8884}" destId="{BAF73641-E59C-4821-814B-A8C26902B9D1}" srcOrd="0" destOrd="0" parTransId="{61CC2143-C5CE-4F60-ACF1-E1235AD1337C}" sibTransId="{15E40160-10AE-4BCF-90AD-FE9EEA5A02F1}"/>
-    <dgm:cxn modelId="{62F37D9F-CC71-49E8-AF46-320EF17E8CBE}" type="presOf" srcId="{5DDDB26C-EA6F-40B8-8C19-B83E3689FAC3}" destId="{6F211E20-DA4A-4F92-AB67-DFF1B42E6B2E}" srcOrd="1" destOrd="0" presId="urn:microsoft.com/office/officeart/2005/8/layout/process3"/>
-    <dgm:cxn modelId="{D4E72D2D-D7CD-44AF-9A9E-D0A69D4E1198}" srcId="{C2F15385-12F8-48D1-A08D-D4FFD3BA9DB7}" destId="{F8427333-89D4-4F21-9BE4-E59E8F273CF9}" srcOrd="0" destOrd="0" parTransId="{553EFD92-47BF-4799-A0E0-0B54A32DE648}" sibTransId="{2B2DE6A1-8CCD-402D-92E7-9E6FCDD59701}"/>
-    <dgm:cxn modelId="{B55146D3-4E8B-484E-B2D0-883F1C98AB4A}" type="presOf" srcId="{F8427333-89D4-4F21-9BE4-E59E8F273CF9}" destId="{71EE4600-D4E5-47B3-80A2-0BE28324A074}" srcOrd="0" destOrd="0" presId="urn:microsoft.com/office/officeart/2005/8/layout/process3"/>
-    <dgm:cxn modelId="{C60CC817-BCBA-4C4C-9842-AB72CD3B752A}" type="presOf" srcId="{5330CB85-0590-4B0E-8DEB-17C7277CD89A}" destId="{41605CEB-6A84-4778-8092-EF24599CE6DA}" srcOrd="0" destOrd="0" presId="urn:microsoft.com/office/officeart/2005/8/layout/process3"/>
-    <dgm:cxn modelId="{913A477C-C6F3-40A4-B0A3-A78FF9DCCE95}" type="presOf" srcId="{FB42DACD-8CB4-4BBF-8D23-243F6EBADF0A}" destId="{6E09A826-FDA9-435C-B54F-D447A9166030}" srcOrd="0" destOrd="0" presId="urn:microsoft.com/office/officeart/2005/8/layout/process3"/>
-    <dgm:cxn modelId="{21C4AEB4-6C14-4592-8F89-00BAEC716A0C}" type="presOf" srcId="{3A92C2D0-D06D-4924-96F6-995FED94B007}" destId="{718B68C1-CF40-4D83-87FB-5D6293EE6121}" srcOrd="1" destOrd="0" presId="urn:microsoft.com/office/officeart/2005/8/layout/process3"/>
-    <dgm:cxn modelId="{D3C81665-A45E-4C51-B14E-FB85143893DE}" srcId="{5DDDB26C-EA6F-40B8-8C19-B83E3689FAC3}" destId="{13702E1F-43C7-490D-B799-C3C66F4B94E9}" srcOrd="0" destOrd="0" parTransId="{05201D47-5F1E-42DB-AEDF-37B0261B7687}" sibTransId="{0E94540D-DBC2-4C9F-819C-6DFA5DFBAFF3}"/>
-    <dgm:cxn modelId="{EDB03B87-557A-4CFD-BC81-C036EF4DA699}" type="presOf" srcId="{880F3D45-5A8F-44EA-B9D0-B35DEAEF8884}" destId="{594B0FF9-557B-4189-B3FD-2E54E3D7EE2A}" srcOrd="1" destOrd="0" presId="urn:microsoft.com/office/officeart/2005/8/layout/process3"/>
-    <dgm:cxn modelId="{944D7133-7F07-4798-929A-21CE156E5B06}" srcId="{5330CB85-0590-4B0E-8DEB-17C7277CD89A}" destId="{C2F15385-12F8-48D1-A08D-D4FFD3BA9DB7}" srcOrd="2" destOrd="0" parTransId="{295A7779-E96A-4786-B4FB-F6B11EA495CF}" sibTransId="{944A2192-60F0-4613-BF4B-335B39A15A98}"/>
-    <dgm:cxn modelId="{43ABABA4-3A8E-4BF6-960E-B159469FCC63}" type="presOf" srcId="{FB42DACD-8CB4-4BBF-8D23-243F6EBADF0A}" destId="{80AAB92E-16D9-4B61-B2A8-57DD940659B0}" srcOrd="1" destOrd="0" presId="urn:microsoft.com/office/officeart/2005/8/layout/process3"/>
-    <dgm:cxn modelId="{EF7B94E8-34F6-4EA9-85FF-4AC8B1577329}" type="presOf" srcId="{3A92C2D0-D06D-4924-96F6-995FED94B007}" destId="{63B2690C-B502-4F44-9F93-A49D77B53AD5}" srcOrd="0" destOrd="0" presId="urn:microsoft.com/office/officeart/2005/8/layout/process3"/>
-    <dgm:cxn modelId="{57C4A324-DD6F-485A-A634-75D690FA4A6D}" type="presOf" srcId="{5DDDB26C-EA6F-40B8-8C19-B83E3689FAC3}" destId="{72C23F13-CCE6-4D9F-AA29-DC095D7E2073}" srcOrd="0" destOrd="0" presId="urn:microsoft.com/office/officeart/2005/8/layout/process3"/>
-    <dgm:cxn modelId="{89D03E6B-B062-4BF2-8DDB-631E8F00911C}" srcId="{5330CB85-0590-4B0E-8DEB-17C7277CD89A}" destId="{880F3D45-5A8F-44EA-B9D0-B35DEAEF8884}" srcOrd="1" destOrd="0" parTransId="{1853B8B8-0D9A-4545-A138-9B1AD2719D93}" sibTransId="{3A92C2D0-D06D-4924-96F6-995FED94B007}"/>
-    <dgm:cxn modelId="{0801624D-D51F-458F-B475-85176A03FAF6}" type="presParOf" srcId="{41605CEB-6A84-4778-8092-EF24599CE6DA}" destId="{016114E4-FD30-4BCD-B216-FD3D75D687BC}" srcOrd="0" destOrd="0" presId="urn:microsoft.com/office/officeart/2005/8/layout/process3"/>
-    <dgm:cxn modelId="{D4FED0AB-9DF0-4123-B861-4C4C2DE03405}" type="presParOf" srcId="{016114E4-FD30-4BCD-B216-FD3D75D687BC}" destId="{72C23F13-CCE6-4D9F-AA29-DC095D7E2073}" srcOrd="0" destOrd="0" presId="urn:microsoft.com/office/officeart/2005/8/layout/process3"/>
-    <dgm:cxn modelId="{F8674425-245A-442C-9D10-3264EA61E236}" type="presParOf" srcId="{016114E4-FD30-4BCD-B216-FD3D75D687BC}" destId="{6F211E20-DA4A-4F92-AB67-DFF1B42E6B2E}" srcOrd="1" destOrd="0" presId="urn:microsoft.com/office/officeart/2005/8/layout/process3"/>
-    <dgm:cxn modelId="{94252575-2A74-4FCA-B478-B10A365C31EF}" type="presParOf" srcId="{016114E4-FD30-4BCD-B216-FD3D75D687BC}" destId="{580C7B04-7DDC-45E9-9E2C-9FE714503512}" srcOrd="2" destOrd="0" presId="urn:microsoft.com/office/officeart/2005/8/layout/process3"/>
-    <dgm:cxn modelId="{04DE0ECF-4BB4-453C-AD35-1F59CF6EE080}" type="presParOf" srcId="{41605CEB-6A84-4778-8092-EF24599CE6DA}" destId="{6E09A826-FDA9-435C-B54F-D447A9166030}" srcOrd="1" destOrd="0" presId="urn:microsoft.com/office/officeart/2005/8/layout/process3"/>
-    <dgm:cxn modelId="{B0790B36-BC78-4A6A-9069-CED4E5874E06}" type="presParOf" srcId="{6E09A826-FDA9-435C-B54F-D447A9166030}" destId="{80AAB92E-16D9-4B61-B2A8-57DD940659B0}" srcOrd="0" destOrd="0" presId="urn:microsoft.com/office/officeart/2005/8/layout/process3"/>
-    <dgm:cxn modelId="{CDBF1A14-F430-4790-9E3B-8F0E37FB8DE3}" type="presParOf" srcId="{41605CEB-6A84-4778-8092-EF24599CE6DA}" destId="{D62FD6BA-EFA7-4E87-8403-70B4CEB4D389}" srcOrd="2" destOrd="0" presId="urn:microsoft.com/office/officeart/2005/8/layout/process3"/>
-    <dgm:cxn modelId="{13C30085-BB62-446B-8988-2D2E817115B3}" type="presParOf" srcId="{D62FD6BA-EFA7-4E87-8403-70B4CEB4D389}" destId="{C1D0EBB1-B119-4D18-9331-685BB5E64139}" srcOrd="0" destOrd="0" presId="urn:microsoft.com/office/officeart/2005/8/layout/process3"/>
-    <dgm:cxn modelId="{0F7CD90F-3341-4747-9452-6EA270EB2367}" type="presParOf" srcId="{D62FD6BA-EFA7-4E87-8403-70B4CEB4D389}" destId="{594B0FF9-557B-4189-B3FD-2E54E3D7EE2A}" srcOrd="1" destOrd="0" presId="urn:microsoft.com/office/officeart/2005/8/layout/process3"/>
-    <dgm:cxn modelId="{06F6663A-B41B-477F-ACE2-D5890C619DF4}" type="presParOf" srcId="{D62FD6BA-EFA7-4E87-8403-70B4CEB4D389}" destId="{B4A2C490-A3CF-422A-8052-DFF4F063B181}" srcOrd="2" destOrd="0" presId="urn:microsoft.com/office/officeart/2005/8/layout/process3"/>
-    <dgm:cxn modelId="{A5DBC608-4461-40C8-B605-BCBCCE9F024A}" type="presParOf" srcId="{41605CEB-6A84-4778-8092-EF24599CE6DA}" destId="{63B2690C-B502-4F44-9F93-A49D77B53AD5}" srcOrd="3" destOrd="0" presId="urn:microsoft.com/office/officeart/2005/8/layout/process3"/>
-    <dgm:cxn modelId="{AFBD8FEF-FDA5-4BFA-B861-8447E5E613A2}" type="presParOf" srcId="{63B2690C-B502-4F44-9F93-A49D77B53AD5}" destId="{718B68C1-CF40-4D83-87FB-5D6293EE6121}" srcOrd="0" destOrd="0" presId="urn:microsoft.com/office/officeart/2005/8/layout/process3"/>
-    <dgm:cxn modelId="{33FCEB15-B17C-431D-A9BC-AA5BAA23C116}" type="presParOf" srcId="{41605CEB-6A84-4778-8092-EF24599CE6DA}" destId="{884629F1-1A3C-4171-8C11-55A7C814C3CD}" srcOrd="4" destOrd="0" presId="urn:microsoft.com/office/officeart/2005/8/layout/process3"/>
-    <dgm:cxn modelId="{65E90917-A7F6-403E-8440-EEE5ABF08FCA}" type="presParOf" srcId="{884629F1-1A3C-4171-8C11-55A7C814C3CD}" destId="{07BB813E-2D3F-4808-BF4F-D4362ED5C4F2}" srcOrd="0" destOrd="0" presId="urn:microsoft.com/office/officeart/2005/8/layout/process3"/>
-    <dgm:cxn modelId="{16926F52-E73E-4573-9AED-9236185C5B0E}" type="presParOf" srcId="{884629F1-1A3C-4171-8C11-55A7C814C3CD}" destId="{11F97F72-92DA-44B7-9A77-7C959FCA6D53}" srcOrd="1" destOrd="0" presId="urn:microsoft.com/office/officeart/2005/8/layout/process3"/>
-    <dgm:cxn modelId="{A59784EB-DD28-4DEB-BC31-76DBF66D8CDB}" type="presParOf" srcId="{884629F1-1A3C-4171-8C11-55A7C814C3CD}" destId="{71EE4600-D4E5-47B3-80A2-0BE28324A074}" srcOrd="2" destOrd="0" presId="urn:microsoft.com/office/officeart/2005/8/layout/process3"/>
+    <dgm:cxn modelId="{B637A898-A82C-475C-9D42-C24CCAF7057B}" type="presOf" srcId="{C2F15385-12F8-48D1-A08D-D4FFD3BA9DB7}" destId="{11F97F72-92DA-44B7-9A77-7C959FCA6D53}" srcOrd="1" destOrd="0" presId="urn:microsoft.com/office/officeart/2005/8/layout/process3#1"/>
+    <dgm:cxn modelId="{62F37D9F-CC71-49E8-AF46-320EF17E8CBE}" type="presOf" srcId="{5DDDB26C-EA6F-40B8-8C19-B83E3689FAC3}" destId="{6F211E20-DA4A-4F92-AB67-DFF1B42E6B2E}" srcOrd="1" destOrd="0" presId="urn:microsoft.com/office/officeart/2005/8/layout/process3#1"/>
+    <dgm:cxn modelId="{43ABABA4-3A8E-4BF6-960E-B159469FCC63}" type="presOf" srcId="{FB42DACD-8CB4-4BBF-8D23-243F6EBADF0A}" destId="{80AAB92E-16D9-4B61-B2A8-57DD940659B0}" srcOrd="1" destOrd="0" presId="urn:microsoft.com/office/officeart/2005/8/layout/process3#1"/>
+    <dgm:cxn modelId="{735FFBB0-2A94-4B44-AC64-8B3364EC9A68}" type="presOf" srcId="{BAF73641-E59C-4821-814B-A8C26902B9D1}" destId="{B4A2C490-A3CF-422A-8052-DFF4F063B181}" srcOrd="0" destOrd="0" presId="urn:microsoft.com/office/officeart/2005/8/layout/process3#1"/>
+    <dgm:cxn modelId="{21C4AEB4-6C14-4592-8F89-00BAEC716A0C}" type="presOf" srcId="{3A92C2D0-D06D-4924-96F6-995FED94B007}" destId="{718B68C1-CF40-4D83-87FB-5D6293EE6121}" srcOrd="1" destOrd="0" presId="urn:microsoft.com/office/officeart/2005/8/layout/process3#1"/>
+    <dgm:cxn modelId="{B55146D3-4E8B-484E-B2D0-883F1C98AB4A}" type="presOf" srcId="{F8427333-89D4-4F21-9BE4-E59E8F273CF9}" destId="{71EE4600-D4E5-47B3-80A2-0BE28324A074}" srcOrd="0" destOrd="0" presId="urn:microsoft.com/office/officeart/2005/8/layout/process3#1"/>
+    <dgm:cxn modelId="{1C4052E5-FC9E-445F-8E66-6BBA138A95A7}" type="presOf" srcId="{13702E1F-43C7-490D-B799-C3C66F4B94E9}" destId="{580C7B04-7DDC-45E9-9E2C-9FE714503512}" srcOrd="0" destOrd="0" presId="urn:microsoft.com/office/officeart/2005/8/layout/process3#1"/>
+    <dgm:cxn modelId="{EF7B94E8-34F6-4EA9-85FF-4AC8B1577329}" type="presOf" srcId="{3A92C2D0-D06D-4924-96F6-995FED94B007}" destId="{63B2690C-B502-4F44-9F93-A49D77B53AD5}" srcOrd="0" destOrd="0" presId="urn:microsoft.com/office/officeart/2005/8/layout/process3#1"/>
+    <dgm:cxn modelId="{0801624D-D51F-458F-B475-85176A03FAF6}" type="presParOf" srcId="{41605CEB-6A84-4778-8092-EF24599CE6DA}" destId="{016114E4-FD30-4BCD-B216-FD3D75D687BC}" srcOrd="0" destOrd="0" presId="urn:microsoft.com/office/officeart/2005/8/layout/process3#1"/>
+    <dgm:cxn modelId="{D4FED0AB-9DF0-4123-B861-4C4C2DE03405}" type="presParOf" srcId="{016114E4-FD30-4BCD-B216-FD3D75D687BC}" destId="{72C23F13-CCE6-4D9F-AA29-DC095D7E2073}" srcOrd="0" destOrd="0" presId="urn:microsoft.com/office/officeart/2005/8/layout/process3#1"/>
+    <dgm:cxn modelId="{F8674425-245A-442C-9D10-3264EA61E236}" type="presParOf" srcId="{016114E4-FD30-4BCD-B216-FD3D75D687BC}" destId="{6F211E20-DA4A-4F92-AB67-DFF1B42E6B2E}" srcOrd="1" destOrd="0" presId="urn:microsoft.com/office/officeart/2005/8/layout/process3#1"/>
+    <dgm:cxn modelId="{94252575-2A74-4FCA-B478-B10A365C31EF}" type="presParOf" srcId="{016114E4-FD30-4BCD-B216-FD3D75D687BC}" destId="{580C7B04-7DDC-45E9-9E2C-9FE714503512}" srcOrd="2" destOrd="0" presId="urn:microsoft.com/office/officeart/2005/8/layout/process3#1"/>
+    <dgm:cxn modelId="{04DE0ECF-4BB4-453C-AD35-1F59CF6EE080}" type="presParOf" srcId="{41605CEB-6A84-4778-8092-EF24599CE6DA}" destId="{6E09A826-FDA9-435C-B54F-D447A9166030}" srcOrd="1" destOrd="0" presId="urn:microsoft.com/office/officeart/2005/8/layout/process3#1"/>
+    <dgm:cxn modelId="{B0790B36-BC78-4A6A-9069-CED4E5874E06}" type="presParOf" srcId="{6E09A826-FDA9-435C-B54F-D447A9166030}" destId="{80AAB92E-16D9-4B61-B2A8-57DD940659B0}" srcOrd="0" destOrd="0" presId="urn:microsoft.com/office/officeart/2005/8/layout/process3#1"/>
+    <dgm:cxn modelId="{CDBF1A14-F430-4790-9E3B-8F0E37FB8DE3}" type="presParOf" srcId="{41605CEB-6A84-4778-8092-EF24599CE6DA}" destId="{D62FD6BA-EFA7-4E87-8403-70B4CEB4D389}" srcOrd="2" destOrd="0" presId="urn:microsoft.com/office/officeart/2005/8/layout/process3#1"/>
+    <dgm:cxn modelId="{13C30085-BB62-446B-8988-2D2E817115B3}" type="presParOf" srcId="{D62FD6BA-EFA7-4E87-8403-70B4CEB4D389}" destId="{C1D0EBB1-B119-4D18-9331-685BB5E64139}" srcOrd="0" destOrd="0" presId="urn:microsoft.com/office/officeart/2005/8/layout/process3#1"/>
+    <dgm:cxn modelId="{0F7CD90F-3341-4747-9452-6EA270EB2367}" type="presParOf" srcId="{D62FD6BA-EFA7-4E87-8403-70B4CEB4D389}" destId="{594B0FF9-557B-4189-B3FD-2E54E3D7EE2A}" srcOrd="1" destOrd="0" presId="urn:microsoft.com/office/officeart/2005/8/layout/process3#1"/>
+    <dgm:cxn modelId="{06F6663A-B41B-477F-ACE2-D5890C619DF4}" type="presParOf" srcId="{D62FD6BA-EFA7-4E87-8403-70B4CEB4D389}" destId="{B4A2C490-A3CF-422A-8052-DFF4F063B181}" srcOrd="2" destOrd="0" presId="urn:microsoft.com/office/officeart/2005/8/layout/process3#1"/>
+    <dgm:cxn modelId="{A5DBC608-4461-40C8-B605-BCBCCE9F024A}" type="presParOf" srcId="{41605CEB-6A84-4778-8092-EF24599CE6DA}" destId="{63B2690C-B502-4F44-9F93-A49D77B53AD5}" srcOrd="3" destOrd="0" presId="urn:microsoft.com/office/officeart/2005/8/layout/process3#1"/>
+    <dgm:cxn modelId="{AFBD8FEF-FDA5-4BFA-B861-8447E5E613A2}" type="presParOf" srcId="{63B2690C-B502-4F44-9F93-A49D77B53AD5}" destId="{718B68C1-CF40-4D83-87FB-5D6293EE6121}" srcOrd="0" destOrd="0" presId="urn:microsoft.com/office/officeart/2005/8/layout/process3#1"/>
+    <dgm:cxn modelId="{33FCEB15-B17C-431D-A9BC-AA5BAA23C116}" type="presParOf" srcId="{41605CEB-6A84-4778-8092-EF24599CE6DA}" destId="{884629F1-1A3C-4171-8C11-55A7C814C3CD}" srcOrd="4" destOrd="0" presId="urn:microsoft.com/office/officeart/2005/8/layout/process3#1"/>
+    <dgm:cxn modelId="{65E90917-A7F6-403E-8440-EEE5ABF08FCA}" type="presParOf" srcId="{884629F1-1A3C-4171-8C11-55A7C814C3CD}" destId="{07BB813E-2D3F-4808-BF4F-D4362ED5C4F2}" srcOrd="0" destOrd="0" presId="urn:microsoft.com/office/officeart/2005/8/layout/process3#1"/>
+    <dgm:cxn modelId="{16926F52-E73E-4573-9AED-9236185C5B0E}" type="presParOf" srcId="{884629F1-1A3C-4171-8C11-55A7C814C3CD}" destId="{11F97F72-92DA-44B7-9A77-7C959FCA6D53}" srcOrd="1" destOrd="0" presId="urn:microsoft.com/office/officeart/2005/8/layout/process3#1"/>
+    <dgm:cxn modelId="{A59784EB-DD28-4DEB-BC31-76DBF66D8CDB}" type="presParOf" srcId="{884629F1-1A3C-4171-8C11-55A7C814C3CD}" destId="{71EE4600-D4E5-47B3-80A2-0BE28324A074}" srcOrd="2" destOrd="0" presId="urn:microsoft.com/office/officeart/2005/8/layout/process3#1"/>
   </dgm:cxnLst>
   <dgm:bg/>
   <dgm:whole/>
   <dgm:extLst>
     <a:ext uri="http://schemas.microsoft.com/office/drawing/2008/diagram">
-      <dsp:dataModelExt xmlns:dsp="http://schemas.microsoft.com/office/drawing/2008/diagram" relId="rId5" minVer="http://schemas.openxmlformats.org/drawingml/2006/diagram"/>
+      <dsp:dataModelExt xmlns:dsp="http://schemas.microsoft.com/office/drawing/2008/diagram" relId="rId6" minVer="http://schemas.openxmlformats.org/drawingml/2006/diagram"/>
     </a:ext>
   </dgm:extLst>
 </dgm:dataModel>
@@ -1354,7 +1332,7 @@
         </a:bodyPr>
         <a:lstStyle/>
         <a:p>
-          <a:pPr lvl="0" algn="l" defTabSz="977900">
+          <a:pPr marL="0" lvl="0" indent="0" algn="l" defTabSz="977900">
             <a:lnSpc>
               <a:spcPct val="90000"/>
             </a:lnSpc>
@@ -1364,12 +1342,12 @@
             <a:spcAft>
               <a:spcPct val="35000"/>
             </a:spcAft>
+            <a:buNone/>
           </a:pPr>
           <a:r>
-            <a:rPr lang="en-CA" sz="2200" kern="1200" dirty="0" smtClean="0"/>
+            <a:rPr lang="en-CA" sz="2200" kern="1200" dirty="0"/>
             <a:t>TOP SELLING ITEMS</a:t>
           </a:r>
-          <a:endParaRPr lang="en-CA" sz="2200" kern="1200" dirty="0"/>
         </a:p>
       </dsp:txBody>
       <dsp:txXfrm>
@@ -1442,13 +1420,12 @@
             <a:spcAft>
               <a:spcPct val="15000"/>
             </a:spcAft>
-            <a:buChar char="••"/>
+            <a:buChar char="•"/>
           </a:pPr>
           <a:r>
-            <a:rPr lang="en-CA" sz="2200" kern="1200" dirty="0" smtClean="0"/>
+            <a:rPr lang="en-CA" sz="2200" kern="1200" dirty="0"/>
             <a:t>ITEMS ADDED TO CART</a:t>
           </a:r>
-          <a:endParaRPr lang="en-CA" sz="2200" kern="1200" dirty="0"/>
         </a:p>
       </dsp:txBody>
       <dsp:txXfrm>
@@ -1506,7 +1483,7 @@
         </a:bodyPr>
         <a:lstStyle/>
         <a:p>
-          <a:pPr lvl="0" algn="ctr" defTabSz="800100">
+          <a:pPr marL="0" lvl="0" indent="0" algn="ctr" defTabSz="800100">
             <a:lnSpc>
               <a:spcPct val="90000"/>
             </a:lnSpc>
@@ -1516,6 +1493,7 @@
             <a:spcAft>
               <a:spcPct val="35000"/>
             </a:spcAft>
+            <a:buNone/>
           </a:pPr>
           <a:endParaRPr lang="en-CA" sz="1800" kern="1200"/>
         </a:p>
@@ -1581,7 +1559,7 @@
         </a:bodyPr>
         <a:lstStyle/>
         <a:p>
-          <a:pPr lvl="0" algn="l" defTabSz="977900">
+          <a:pPr marL="0" lvl="0" indent="0" algn="l" defTabSz="977900">
             <a:lnSpc>
               <a:spcPct val="90000"/>
             </a:lnSpc>
@@ -1591,12 +1569,12 @@
             <a:spcAft>
               <a:spcPct val="35000"/>
             </a:spcAft>
+            <a:buNone/>
           </a:pPr>
           <a:r>
-            <a:rPr lang="en-CA" sz="2200" kern="1200" dirty="0" smtClean="0"/>
+            <a:rPr lang="en-CA" sz="2200" kern="1200" dirty="0"/>
             <a:t>SHOPPING BAG</a:t>
           </a:r>
-          <a:endParaRPr lang="en-CA" sz="2200" kern="1200" dirty="0"/>
         </a:p>
       </dsp:txBody>
       <dsp:txXfrm>
@@ -1669,13 +1647,12 @@
             <a:spcAft>
               <a:spcPct val="15000"/>
             </a:spcAft>
-            <a:buChar char="••"/>
+            <a:buChar char="•"/>
           </a:pPr>
           <a:r>
-            <a:rPr lang="en-CA" sz="2200" kern="1200" dirty="0" smtClean="0"/>
+            <a:rPr lang="en-CA" sz="2200" kern="1200" dirty="0"/>
             <a:t>RECOMMENDS FREQUENTLY ITEM BASED ON CART ITEMS</a:t>
           </a:r>
-          <a:endParaRPr lang="en-CA" sz="2200" kern="1200" dirty="0"/>
         </a:p>
       </dsp:txBody>
       <dsp:txXfrm>
@@ -1733,7 +1710,7 @@
         </a:bodyPr>
         <a:lstStyle/>
         <a:p>
-          <a:pPr lvl="0" algn="ctr" defTabSz="800100">
+          <a:pPr marL="0" lvl="0" indent="0" algn="ctr" defTabSz="800100">
             <a:lnSpc>
               <a:spcPct val="90000"/>
             </a:lnSpc>
@@ -1743,6 +1720,7 @@
             <a:spcAft>
               <a:spcPct val="35000"/>
             </a:spcAft>
+            <a:buNone/>
           </a:pPr>
           <a:endParaRPr lang="en-CA" sz="1800" kern="1200"/>
         </a:p>
@@ -1808,7 +1786,7 @@
         </a:bodyPr>
         <a:lstStyle/>
         <a:p>
-          <a:pPr lvl="0" algn="l" defTabSz="977900">
+          <a:pPr marL="0" lvl="0" indent="0" algn="l" defTabSz="977900">
             <a:lnSpc>
               <a:spcPct val="90000"/>
             </a:lnSpc>
@@ -1818,12 +1796,12 @@
             <a:spcAft>
               <a:spcPct val="35000"/>
             </a:spcAft>
+            <a:buNone/>
           </a:pPr>
           <a:r>
-            <a:rPr lang="en-CA" sz="2200" kern="1200" dirty="0" smtClean="0"/>
+            <a:rPr lang="en-CA" sz="2200" kern="1200" dirty="0"/>
             <a:t>ORDERS</a:t>
           </a:r>
-          <a:endParaRPr lang="en-CA" sz="2200" kern="1200" dirty="0"/>
         </a:p>
       </dsp:txBody>
       <dsp:txXfrm>
@@ -1896,13 +1874,12 @@
             <a:spcAft>
               <a:spcPct val="15000"/>
             </a:spcAft>
-            <a:buChar char="••"/>
+            <a:buChar char="•"/>
           </a:pPr>
           <a:r>
-            <a:rPr lang="en-CA" sz="2200" kern="1200" dirty="0" smtClean="0"/>
+            <a:rPr lang="en-CA" sz="2200" kern="1200" dirty="0"/>
             <a:t>RECOMMENDS SIMILAR ITEMS BASED ON CART ITEMS</a:t>
           </a:r>
-          <a:endParaRPr lang="en-CA" sz="2200" kern="1200" dirty="0"/>
         </a:p>
       </dsp:txBody>
       <dsp:txXfrm>
@@ -1915,7 +1892,7 @@
 </file>
 
 <file path=ppt/diagrams/layout1.xml><?xml version="1.0" encoding="utf-8"?>
-<dgm:layoutDef xmlns:dgm="http://schemas.openxmlformats.org/drawingml/2006/diagram" xmlns:a="http://schemas.openxmlformats.org/drawingml/2006/main" uniqueId="urn:microsoft.com/office/officeart/2005/8/layout/process3">
+<dgm:layoutDef xmlns:dgm="http://schemas.openxmlformats.org/drawingml/2006/diagram" xmlns:a="http://schemas.openxmlformats.org/drawingml/2006/main" uniqueId="urn:microsoft.com/office/officeart/2005/8/layout/process3#1">
   <dgm:title val=""/>
   <dgm:desc val=""/>
   <dgm:catLst>
@@ -2216,7 +2193,7 @@
 </file>
 
 <file path=ppt/diagrams/quickStyle1.xml><?xml version="1.0" encoding="utf-8"?>
-<dgm:styleDef xmlns:dgm="http://schemas.openxmlformats.org/drawingml/2006/diagram" xmlns:a="http://schemas.openxmlformats.org/drawingml/2006/main" uniqueId="urn:microsoft.com/office/officeart/2005/8/quickstyle/simple1">
+<dgm:styleDef xmlns:dgm="http://schemas.openxmlformats.org/drawingml/2006/diagram" xmlns:a="http://schemas.openxmlformats.org/drawingml/2006/main" uniqueId="urn:microsoft.com/office/officeart/2005/8/quickstyle/simple1#1">
   <dgm:title val=""/>
   <dgm:desc val=""/>
   <dgm:catLst>
@@ -2231,6 +2208,7 @@
       <a:camera prst="orthographicFront"/>
       <a:lightRig rig="threePt" dir="t"/>
     </dgm:scene3d>
+    <dgm:sp3d/>
     <dgm:txPr/>
     <dgm:style>
       <a:lnRef idx="2">
@@ -2250,6 +2228,7 @@
       <a:camera prst="orthographicFront"/>
       <a:lightRig rig="threePt" dir="t"/>
     </dgm:scene3d>
+    <dgm:sp3d/>
     <dgm:txPr/>
     <dgm:style>
       <a:lnRef idx="2">
@@ -2269,6 +2248,7 @@
       <a:camera prst="orthographicFront"/>
       <a:lightRig rig="threePt" dir="t"/>
     </dgm:scene3d>
+    <dgm:sp3d/>
     <dgm:txPr/>
     <dgm:style>
       <a:lnRef idx="2">
@@ -2288,6 +2268,7 @@
       <a:camera prst="orthographicFront"/>
       <a:lightRig rig="threePt" dir="t"/>
     </dgm:scene3d>
+    <dgm:sp3d/>
     <dgm:txPr/>
     <dgm:style>
       <a:lnRef idx="2">
@@ -2309,6 +2290,7 @@
       <a:camera prst="orthographicFront"/>
       <a:lightRig rig="threePt" dir="t"/>
     </dgm:scene3d>
+    <dgm:sp3d/>
     <dgm:txPr/>
     <dgm:style>
       <a:lnRef idx="2">
@@ -2330,6 +2312,7 @@
       <a:camera prst="orthographicFront"/>
       <a:lightRig rig="threePt" dir="t"/>
     </dgm:scene3d>
+    <dgm:sp3d/>
     <dgm:txPr/>
     <dgm:style>
       <a:lnRef idx="2">
@@ -2351,6 +2334,7 @@
       <a:camera prst="orthographicFront"/>
       <a:lightRig rig="threePt" dir="t"/>
     </dgm:scene3d>
+    <dgm:sp3d/>
     <dgm:txPr/>
     <dgm:style>
       <a:lnRef idx="2">
@@ -2372,6 +2356,7 @@
       <a:camera prst="orthographicFront"/>
       <a:lightRig rig="threePt" dir="t"/>
     </dgm:scene3d>
+    <dgm:sp3d/>
     <dgm:txPr/>
     <dgm:style>
       <a:lnRef idx="2">
@@ -2393,6 +2378,7 @@
       <a:camera prst="orthographicFront"/>
       <a:lightRig rig="threePt" dir="t"/>
     </dgm:scene3d>
+    <dgm:sp3d/>
     <dgm:txPr/>
     <dgm:style>
       <a:lnRef idx="2">
@@ -2414,6 +2400,7 @@
       <a:camera prst="orthographicFront"/>
       <a:lightRig rig="threePt" dir="t"/>
     </dgm:scene3d>
+    <dgm:sp3d/>
     <dgm:txPr/>
     <dgm:style>
       <a:lnRef idx="2">
@@ -2433,6 +2420,7 @@
       <a:camera prst="orthographicFront"/>
       <a:lightRig rig="threePt" dir="t"/>
     </dgm:scene3d>
+    <dgm:sp3d/>
     <dgm:txPr/>
     <dgm:style>
       <a:lnRef idx="2">
@@ -2452,6 +2440,7 @@
       <a:camera prst="orthographicFront"/>
       <a:lightRig rig="threePt" dir="t"/>
     </dgm:scene3d>
+    <dgm:sp3d/>
     <dgm:txPr/>
     <dgm:style>
       <a:lnRef idx="2">
@@ -2471,6 +2460,7 @@
       <a:camera prst="orthographicFront"/>
       <a:lightRig rig="threePt" dir="t"/>
     </dgm:scene3d>
+    <dgm:sp3d/>
     <dgm:txPr/>
     <dgm:style>
       <a:lnRef idx="0">
@@ -2490,6 +2480,7 @@
       <a:camera prst="orthographicFront"/>
       <a:lightRig rig="threePt" dir="t"/>
     </dgm:scene3d>
+    <dgm:sp3d/>
     <dgm:txPr/>
     <dgm:style>
       <a:lnRef idx="0">
@@ -2511,6 +2502,7 @@
       <a:camera prst="orthographicFront"/>
       <a:lightRig rig="threePt" dir="t"/>
     </dgm:scene3d>
+    <dgm:sp3d/>
     <dgm:txPr/>
     <dgm:style>
       <a:lnRef idx="2">
@@ -2530,6 +2522,7 @@
       <a:camera prst="orthographicFront"/>
       <a:lightRig rig="threePt" dir="t"/>
     </dgm:scene3d>
+    <dgm:sp3d/>
     <dgm:txPr/>
     <dgm:style>
       <a:lnRef idx="2">
@@ -2549,6 +2542,7 @@
       <a:camera prst="orthographicFront"/>
       <a:lightRig rig="threePt" dir="t"/>
     </dgm:scene3d>
+    <dgm:sp3d/>
     <dgm:txPr/>
     <dgm:style>
       <a:lnRef idx="0">
@@ -2568,6 +2562,7 @@
       <a:camera prst="orthographicFront"/>
       <a:lightRig rig="threePt" dir="t"/>
     </dgm:scene3d>
+    <dgm:sp3d/>
     <dgm:txPr/>
     <dgm:style>
       <a:lnRef idx="2">
@@ -2587,6 +2582,7 @@
       <a:camera prst="orthographicFront"/>
       <a:lightRig rig="threePt" dir="t"/>
     </dgm:scene3d>
+    <dgm:sp3d/>
     <dgm:txPr/>
     <dgm:style>
       <a:lnRef idx="2">
@@ -2606,6 +2602,7 @@
       <a:camera prst="orthographicFront"/>
       <a:lightRig rig="threePt" dir="t"/>
     </dgm:scene3d>
+    <dgm:sp3d/>
     <dgm:txPr/>
     <dgm:style>
       <a:lnRef idx="2">
@@ -2625,6 +2622,7 @@
       <a:camera prst="orthographicFront"/>
       <a:lightRig rig="threePt" dir="t"/>
     </dgm:scene3d>
+    <dgm:sp3d/>
     <dgm:txPr/>
     <dgm:style>
       <a:lnRef idx="2">
@@ -2644,6 +2642,7 @@
       <a:camera prst="orthographicFront"/>
       <a:lightRig rig="threePt" dir="t"/>
     </dgm:scene3d>
+    <dgm:sp3d/>
     <dgm:txPr/>
     <dgm:style>
       <a:lnRef idx="2">
@@ -2663,6 +2662,7 @@
       <a:camera prst="orthographicFront"/>
       <a:lightRig rig="threePt" dir="t"/>
     </dgm:scene3d>
+    <dgm:sp3d/>
     <dgm:txPr/>
     <dgm:style>
       <a:lnRef idx="2">
@@ -2682,6 +2682,7 @@
       <a:camera prst="orthographicFront"/>
       <a:lightRig rig="threePt" dir="t"/>
     </dgm:scene3d>
+    <dgm:sp3d/>
     <dgm:txPr/>
     <dgm:style>
       <a:lnRef idx="2">
@@ -2701,6 +2702,7 @@
       <a:camera prst="orthographicFront"/>
       <a:lightRig rig="threePt" dir="t"/>
     </dgm:scene3d>
+    <dgm:sp3d/>
     <dgm:txPr/>
     <dgm:style>
       <a:lnRef idx="2">
@@ -2720,6 +2722,7 @@
       <a:camera prst="orthographicFront"/>
       <a:lightRig rig="threePt" dir="t"/>
     </dgm:scene3d>
+    <dgm:sp3d/>
     <dgm:txPr/>
     <dgm:style>
       <a:lnRef idx="0">
@@ -2741,6 +2744,7 @@
       <a:camera prst="orthographicFront"/>
       <a:lightRig rig="threePt" dir="t"/>
     </dgm:scene3d>
+    <dgm:sp3d/>
     <dgm:txPr/>
     <dgm:style>
       <a:lnRef idx="2">
@@ -2762,6 +2766,7 @@
       <a:camera prst="orthographicFront"/>
       <a:lightRig rig="threePt" dir="t"/>
     </dgm:scene3d>
+    <dgm:sp3d/>
     <dgm:txPr/>
     <dgm:style>
       <a:lnRef idx="2">
@@ -2783,6 +2788,7 @@
       <a:camera prst="orthographicFront"/>
       <a:lightRig rig="threePt" dir="t"/>
     </dgm:scene3d>
+    <dgm:sp3d/>
     <dgm:txPr/>
     <dgm:style>
       <a:lnRef idx="2">
@@ -2804,6 +2810,7 @@
       <a:camera prst="orthographicFront"/>
       <a:lightRig rig="threePt" dir="t"/>
     </dgm:scene3d>
+    <dgm:sp3d/>
     <dgm:txPr/>
     <dgm:style>
       <a:lnRef idx="2">
@@ -2825,6 +2832,7 @@
       <a:camera prst="orthographicFront"/>
       <a:lightRig rig="threePt" dir="t"/>
     </dgm:scene3d>
+    <dgm:sp3d/>
     <dgm:txPr/>
     <dgm:style>
       <a:lnRef idx="2">
@@ -2846,6 +2854,7 @@
       <a:camera prst="orthographicFront"/>
       <a:lightRig rig="threePt" dir="t"/>
     </dgm:scene3d>
+    <dgm:sp3d/>
     <dgm:txPr/>
     <dgm:style>
       <a:lnRef idx="2">
@@ -2867,6 +2876,7 @@
       <a:camera prst="orthographicFront"/>
       <a:lightRig rig="threePt" dir="t"/>
     </dgm:scene3d>
+    <dgm:sp3d/>
     <dgm:txPr/>
     <dgm:style>
       <a:lnRef idx="2">
@@ -2886,6 +2896,7 @@
       <a:camera prst="orthographicFront"/>
       <a:lightRig rig="threePt" dir="t"/>
     </dgm:scene3d>
+    <dgm:sp3d/>
     <dgm:txPr/>
     <dgm:style>
       <a:lnRef idx="2">
@@ -2905,6 +2916,7 @@
       <a:camera prst="orthographicFront"/>
       <a:lightRig rig="threePt" dir="t"/>
     </dgm:scene3d>
+    <dgm:sp3d/>
     <dgm:txPr/>
     <dgm:style>
       <a:lnRef idx="2">
@@ -2924,6 +2936,7 @@
       <a:camera prst="orthographicFront"/>
       <a:lightRig rig="threePt" dir="t"/>
     </dgm:scene3d>
+    <dgm:sp3d/>
     <dgm:txPr/>
     <dgm:style>
       <a:lnRef idx="2">
@@ -2943,6 +2956,7 @@
       <a:camera prst="orthographicFront"/>
       <a:lightRig rig="threePt" dir="t"/>
     </dgm:scene3d>
+    <dgm:sp3d/>
     <dgm:txPr/>
     <dgm:style>
       <a:lnRef idx="2">
@@ -2964,6 +2978,7 @@
       <a:camera prst="orthographicFront"/>
       <a:lightRig rig="threePt" dir="t"/>
     </dgm:scene3d>
+    <dgm:sp3d/>
     <dgm:txPr/>
     <dgm:style>
       <a:lnRef idx="2">
@@ -2985,6 +3000,7 @@
       <a:camera prst="orthographicFront"/>
       <a:lightRig rig="threePt" dir="t"/>
     </dgm:scene3d>
+    <dgm:sp3d/>
     <dgm:txPr/>
     <dgm:style>
       <a:lnRef idx="2">
@@ -3006,6 +3022,7 @@
       <a:camera prst="orthographicFront"/>
       <a:lightRig rig="threePt" dir="t"/>
     </dgm:scene3d>
+    <dgm:sp3d/>
     <dgm:txPr/>
     <dgm:style>
       <a:lnRef idx="2">
@@ -3027,6 +3044,7 @@
       <a:camera prst="orthographicFront"/>
       <a:lightRig rig="threePt" dir="t"/>
     </dgm:scene3d>
+    <dgm:sp3d/>
     <dgm:txPr/>
     <dgm:style>
       <a:lnRef idx="0">
@@ -3046,6 +3064,7 @@
       <a:camera prst="orthographicFront"/>
       <a:lightRig rig="threePt" dir="t"/>
     </dgm:scene3d>
+    <dgm:sp3d/>
     <dgm:txPr/>
     <dgm:style>
       <a:lnRef idx="1">
@@ -3065,6 +3084,7 @@
       <a:camera prst="orthographicFront"/>
       <a:lightRig rig="threePt" dir="t"/>
     </dgm:scene3d>
+    <dgm:sp3d/>
     <dgm:txPr/>
     <dgm:style>
       <a:lnRef idx="0">
@@ -3086,6 +3106,7 @@
       <a:camera prst="orthographicFront"/>
       <a:lightRig rig="threePt" dir="t"/>
     </dgm:scene3d>
+    <dgm:sp3d/>
     <dgm:txPr/>
     <dgm:style>
       <a:lnRef idx="2">
@@ -3105,6 +3126,7 @@
       <a:camera prst="orthographicFront"/>
       <a:lightRig rig="threePt" dir="t"/>
     </dgm:scene3d>
+    <dgm:sp3d/>
     <dgm:txPr/>
     <dgm:style>
       <a:lnRef idx="2">
@@ -3124,6 +3146,7 @@
       <a:camera prst="orthographicFront"/>
       <a:lightRig rig="threePt" dir="t"/>
     </dgm:scene3d>
+    <dgm:sp3d/>
     <dgm:txPr/>
     <dgm:style>
       <a:lnRef idx="2">
@@ -3143,6 +3166,7 @@
       <a:camera prst="orthographicFront"/>
       <a:lightRig rig="threePt" dir="t"/>
     </dgm:scene3d>
+    <dgm:sp3d/>
     <dgm:txPr/>
     <dgm:style>
       <a:lnRef idx="1">
@@ -3162,6 +3186,7 @@
       <a:camera prst="orthographicFront"/>
       <a:lightRig rig="threePt" dir="t"/>
     </dgm:scene3d>
+    <dgm:sp3d/>
     <dgm:txPr/>
     <dgm:style>
       <a:lnRef idx="0">
@@ -3181,6 +3206,7 @@
       <a:camera prst="orthographicFront"/>
       <a:lightRig rig="threePt" dir="t"/>
     </dgm:scene3d>
+    <dgm:sp3d/>
     <dgm:txPr/>
     <dgm:style>
       <a:lnRef idx="2">
@@ -3282,6 +3308,7 @@
           <a:p>
             <a:fld id="{E7EEBC60-0827-4C70-B207-73EBAEC13DF4}" type="datetimeFigureOut">
               <a:rPr lang="en-CA" smtClean="0"/>
+              <a:t>2021-03-19</a:t>
             </a:fld>
             <a:endParaRPr lang="en-CA"/>
           </a:p>
@@ -3348,7 +3375,6 @@
               <a:rPr lang="en-US"/>
               <a:t>Click to edit Master text styles</a:t>
             </a:r>
-            <a:endParaRPr lang="en-US"/>
           </a:p>
           <a:p>
             <a:pPr lvl="1"/>
@@ -3356,7 +3382,6 @@
               <a:rPr lang="en-US"/>
               <a:t>Second level</a:t>
             </a:r>
-            <a:endParaRPr lang="en-US"/>
           </a:p>
           <a:p>
             <a:pPr lvl="2"/>
@@ -3364,7 +3389,6 @@
               <a:rPr lang="en-US"/>
               <a:t>Third level</a:t>
             </a:r>
-            <a:endParaRPr lang="en-US"/>
           </a:p>
           <a:p>
             <a:pPr lvl="3"/>
@@ -3372,7 +3396,6 @@
               <a:rPr lang="en-US"/>
               <a:t>Fourth level</a:t>
             </a:r>
-            <a:endParaRPr lang="en-US"/>
           </a:p>
           <a:p>
             <a:pPr lvl="4"/>
@@ -3444,6 +3467,7 @@
           <a:p>
             <a:fld id="{F0994EC7-F371-412D-B06E-17B2EE58F8DE}" type="slidenum">
               <a:rPr lang="en-CA" smtClean="0"/>
+              <a:t>‹#›</a:t>
             </a:fld>
             <a:endParaRPr lang="en-CA"/>
           </a:p>
@@ -3599,7 +3623,6 @@
               <a:rPr lang="en-US" dirty="0"/>
               <a:t>reduces a customer’s shopping time, </a:t>
             </a:r>
-            <a:endParaRPr lang="en-US" dirty="0"/>
           </a:p>
           <a:p>
             <a:pPr marL="228600" indent="-228600">
@@ -3610,7 +3633,6 @@
               <a:rPr lang="en-US" dirty="0"/>
               <a:t>reminds the customer of what relevant items (s)he might be interested in buying, </a:t>
             </a:r>
-            <a:endParaRPr lang="en-US" dirty="0"/>
           </a:p>
           <a:p>
             <a:pPr marL="228600" indent="-228600">
@@ -3642,6 +3664,7 @@
           <a:p>
             <a:fld id="{F0994EC7-F371-412D-B06E-17B2EE58F8DE}" type="slidenum">
               <a:rPr lang="en-CA" smtClean="0"/>
+              <a:t>6</a:t>
             </a:fld>
             <a:endParaRPr lang="en-CA"/>
           </a:p>
@@ -3664,11 +3687,20 @@
         <p:cNvGrpSpPr/>
         <p:nvPr/>
       </p:nvGrpSpPr>
-      <p:grpSpPr/>
+      <p:grpSpPr>
+        <a:xfrm>
+          <a:off x="0" y="0"/>
+          <a:ext cx="0" cy="0"/>
+          <a:chOff x="0" y="0"/>
+          <a:chExt cx="0" cy="0"/>
+        </a:xfrm>
+      </p:grpSpPr>
       <p:sp>
         <p:nvSpPr>
           <p:cNvPr id="2" name="Slide Image Placeholder 1"/>
-          <p:cNvSpPr/>
+          <p:cNvSpPr>
+            <a:spLocks noGrp="1" noRot="1" noChangeAspect="1"/>
+          </p:cNvSpPr>
           <p:nvPr>
             <p:ph type="sldImg" idx="2"/>
           </p:nvPr>
@@ -3678,7 +3710,9 @@
       <p:sp>
         <p:nvSpPr>
           <p:cNvPr id="3" name="Text Placeholder 2"/>
-          <p:cNvSpPr/>
+          <p:cNvSpPr>
+            <a:spLocks noGrp="1"/>
+          </p:cNvSpPr>
           <p:nvPr>
             <p:ph type="body" idx="3"/>
           </p:nvPr>
@@ -3686,6 +3720,7 @@
         <p:spPr/>
         <p:txBody>
           <a:bodyPr/>
+          <a:lstStyle/>
           <a:p>
             <a:endParaRPr lang="en-US"/>
           </a:p>
@@ -3708,11 +3743,20 @@
         <p:cNvGrpSpPr/>
         <p:nvPr/>
       </p:nvGrpSpPr>
-      <p:grpSpPr/>
+      <p:grpSpPr>
+        <a:xfrm>
+          <a:off x="0" y="0"/>
+          <a:ext cx="0" cy="0"/>
+          <a:chOff x="0" y="0"/>
+          <a:chExt cx="0" cy="0"/>
+        </a:xfrm>
+      </p:grpSpPr>
       <p:sp>
         <p:nvSpPr>
           <p:cNvPr id="2" name="Slide Image Placeholder 1"/>
-          <p:cNvSpPr/>
+          <p:cNvSpPr>
+            <a:spLocks noGrp="1" noRot="1" noChangeAspect="1"/>
+          </p:cNvSpPr>
           <p:nvPr>
             <p:ph type="sldImg" idx="2"/>
           </p:nvPr>
@@ -3722,7 +3766,9 @@
       <p:sp>
         <p:nvSpPr>
           <p:cNvPr id="3" name="Text Placeholder 2"/>
-          <p:cNvSpPr/>
+          <p:cNvSpPr>
+            <a:spLocks noGrp="1"/>
+          </p:cNvSpPr>
           <p:nvPr>
             <p:ph type="body" idx="3"/>
           </p:nvPr>
@@ -3730,12 +3776,12 @@
         <p:spPr/>
         <p:txBody>
           <a:bodyPr/>
+          <a:lstStyle/>
           <a:p>
             <a:r>
               <a:rPr lang="en-US"/>
               <a:t>People mostly order from 8:00 - 17:00 (8AM - 5PM)</a:t>
             </a:r>
-            <a:endParaRPr lang="en-US"/>
           </a:p>
         </p:txBody>
       </p:sp>
@@ -3756,11 +3802,20 @@
         <p:cNvGrpSpPr/>
         <p:nvPr/>
       </p:nvGrpSpPr>
-      <p:grpSpPr/>
+      <p:grpSpPr>
+        <a:xfrm>
+          <a:off x="0" y="0"/>
+          <a:ext cx="0" cy="0"/>
+          <a:chOff x="0" y="0"/>
+          <a:chExt cx="0" cy="0"/>
+        </a:xfrm>
+      </p:grpSpPr>
       <p:sp>
         <p:nvSpPr>
           <p:cNvPr id="2" name="Slide Image Placeholder 1"/>
-          <p:cNvSpPr/>
+          <p:cNvSpPr>
+            <a:spLocks noGrp="1" noRot="1" noChangeAspect="1"/>
+          </p:cNvSpPr>
           <p:nvPr>
             <p:ph type="sldImg" idx="2"/>
           </p:nvPr>
@@ -3770,7 +3825,9 @@
       <p:sp>
         <p:nvSpPr>
           <p:cNvPr id="3" name="Text Placeholder 2"/>
-          <p:cNvSpPr/>
+          <p:cNvSpPr>
+            <a:spLocks noGrp="1"/>
+          </p:cNvSpPr>
           <p:nvPr>
             <p:ph type="body" idx="3"/>
           </p:nvPr>
@@ -3778,61 +3835,54 @@
         <p:spPr/>
         <p:txBody>
           <a:bodyPr/>
+          <a:lstStyle/>
           <a:p>
             <a:r>
               <a:rPr lang="en-US"/>
               <a:t>p2 &lt;- X %&gt;%</a:t>
             </a:r>
-            <a:endParaRPr lang="en-US"/>
           </a:p>
           <a:p>
             <a:r>
               <a:rPr lang="en-US"/>
               <a:t>group_by(user_id, product_id) %&gt;%</a:t>
             </a:r>
-            <a:endParaRPr lang="en-US"/>
           </a:p>
           <a:p>
             <a:r>
               <a:rPr lang="en-US"/>
               <a:t>dplyr::summarise(count3=n()) %&gt;%</a:t>
             </a:r>
-            <a:endParaRPr lang="en-US"/>
           </a:p>
           <a:p>
             <a:r>
               <a:rPr lang="en-US"/>
               <a:t>select(user_id, product_id, count3) %&gt;%</a:t>
             </a:r>
-            <a:endParaRPr lang="en-US"/>
           </a:p>
           <a:p>
             <a:r>
               <a:rPr lang="en-US"/>
               <a:t>ungroup() %&gt;%</a:t>
             </a:r>
-            <a:endParaRPr lang="en-US"/>
           </a:p>
           <a:p>
             <a:r>
               <a:rPr lang="en-US"/>
               <a:t>group_by(user_id) %&gt;%</a:t>
             </a:r>
-            <a:endParaRPr lang="en-US"/>
           </a:p>
           <a:p>
             <a:r>
               <a:rPr lang="en-US"/>
               <a:t>dplyr::summarise(count_product=n()) %&gt;%</a:t>
             </a:r>
-            <a:endParaRPr lang="en-US"/>
           </a:p>
           <a:p>
             <a:r>
               <a:rPr lang="en-US"/>
               <a:t>ungroup()</a:t>
             </a:r>
-            <a:endParaRPr lang="en-US"/>
           </a:p>
         </p:txBody>
       </p:sp>
@@ -3853,11 +3903,20 @@
         <p:cNvGrpSpPr/>
         <p:nvPr/>
       </p:nvGrpSpPr>
-      <p:grpSpPr/>
+      <p:grpSpPr>
+        <a:xfrm>
+          <a:off x="0" y="0"/>
+          <a:ext cx="0" cy="0"/>
+          <a:chOff x="0" y="0"/>
+          <a:chExt cx="0" cy="0"/>
+        </a:xfrm>
+      </p:grpSpPr>
       <p:sp>
         <p:nvSpPr>
           <p:cNvPr id="2" name="Slide Image Placeholder 1"/>
-          <p:cNvSpPr/>
+          <p:cNvSpPr>
+            <a:spLocks noGrp="1" noRot="1" noChangeAspect="1"/>
+          </p:cNvSpPr>
           <p:nvPr>
             <p:ph type="sldImg" idx="2"/>
           </p:nvPr>
@@ -3867,7 +3926,9 @@
       <p:sp>
         <p:nvSpPr>
           <p:cNvPr id="3" name="Text Placeholder 2"/>
-          <p:cNvSpPr/>
+          <p:cNvSpPr>
+            <a:spLocks noGrp="1"/>
+          </p:cNvSpPr>
           <p:nvPr>
             <p:ph type="body" idx="3"/>
           </p:nvPr>
@@ -3875,6 +3936,7 @@
         <p:spPr/>
         <p:txBody>
           <a:bodyPr/>
+          <a:lstStyle/>
           <a:p>
             <a:endParaRPr lang="en-US"/>
           </a:p>
@@ -3897,11 +3959,20 @@
         <p:cNvGrpSpPr/>
         <p:nvPr/>
       </p:nvGrpSpPr>
-      <p:grpSpPr/>
+      <p:grpSpPr>
+        <a:xfrm>
+          <a:off x="0" y="0"/>
+          <a:ext cx="0" cy="0"/>
+          <a:chOff x="0" y="0"/>
+          <a:chExt cx="0" cy="0"/>
+        </a:xfrm>
+      </p:grpSpPr>
       <p:sp>
         <p:nvSpPr>
           <p:cNvPr id="2" name="Slide Image Placeholder 1"/>
-          <p:cNvSpPr/>
+          <p:cNvSpPr>
+            <a:spLocks noGrp="1" noRot="1" noChangeAspect="1"/>
+          </p:cNvSpPr>
           <p:nvPr>
             <p:ph type="sldImg" idx="2"/>
           </p:nvPr>
@@ -3911,7 +3982,9 @@
       <p:sp>
         <p:nvSpPr>
           <p:cNvPr id="3" name="Text Placeholder 2"/>
-          <p:cNvSpPr/>
+          <p:cNvSpPr>
+            <a:spLocks noGrp="1"/>
+          </p:cNvSpPr>
           <p:nvPr>
             <p:ph type="body" idx="3"/>
           </p:nvPr>
@@ -3919,12 +3992,12 @@
         <p:spPr/>
         <p:txBody>
           <a:bodyPr/>
+          <a:lstStyle/>
           <a:p>
             <a:r>
               <a:rPr lang="en-CA" altLang="en-US"/>
               <a:t>all the items within a transaction are in the same row</a:t>
             </a:r>
-            <a:endParaRPr lang="en-CA" altLang="en-US"/>
           </a:p>
         </p:txBody>
       </p:sp>
@@ -4000,7 +4073,6 @@
               <a:rPr lang="en-US" dirty="0"/>
               <a:t>Note: The confidence for an association rule having a very frequent consequent will always be high</a:t>
             </a:r>
-            <a:endParaRPr lang="en-US" dirty="0"/>
           </a:p>
           <a:p>
             <a:pPr marL="0" marR="0" lvl="0" indent="0" algn="l" defTabSz="914400" rtl="0" eaLnBrk="1" fontAlgn="auto" latinLnBrk="0" hangingPunct="1">
@@ -4042,7 +4114,6 @@
               <a:rPr lang="en-US" dirty="0"/>
               <a:t>Lift is the measure that will help store managers to decide product placements on aisle.</a:t>
             </a:r>
-            <a:endParaRPr lang="en-US" dirty="0"/>
           </a:p>
           <a:p>
             <a:pPr marL="0" marR="0" lvl="0" indent="0" algn="l" defTabSz="914400" rtl="0" eaLnBrk="1" fontAlgn="auto" latinLnBrk="0" hangingPunct="1">
@@ -4076,7 +4147,6 @@
               <a:rPr lang="en-US" dirty="0"/>
               <a:t>All subsets of a frequent itemset must also be frequent - if we drop out an item from an itemset, support value of new itemset generated will either be the same or will increase.</a:t>
             </a:r>
-            <a:endParaRPr lang="en-US" dirty="0"/>
           </a:p>
           <a:p>
             <a:r>
@@ -4095,7 +4165,6 @@
               <a:rPr lang="en-US" dirty="0"/>
               <a:t>, an itemset with any item added to this will never cross the threshold too.</a:t>
             </a:r>
-            <a:endParaRPr lang="en-US" dirty="0"/>
           </a:p>
           <a:p>
             <a:r>
@@ -4139,6 +4208,7 @@
           <a:p>
             <a:fld id="{F0994EC7-F371-412D-B06E-17B2EE58F8DE}" type="slidenum">
               <a:rPr lang="en-CA" smtClean="0"/>
+              <a:t>20</a:t>
             </a:fld>
             <a:endParaRPr lang="en-CA"/>
           </a:p>
@@ -4217,6 +4287,7 @@
           <a:p>
             <a:fld id="{F0994EC7-F371-412D-B06E-17B2EE58F8DE}" type="slidenum">
               <a:rPr lang="en-CA" smtClean="0"/>
+              <a:t>21</a:t>
             </a:fld>
             <a:endParaRPr lang="en-CA"/>
           </a:p>
@@ -4239,11 +4310,20 @@
         <p:cNvGrpSpPr/>
         <p:nvPr/>
       </p:nvGrpSpPr>
-      <p:grpSpPr/>
+      <p:grpSpPr>
+        <a:xfrm>
+          <a:off x="0" y="0"/>
+          <a:ext cx="0" cy="0"/>
+          <a:chOff x="0" y="0"/>
+          <a:chExt cx="0" cy="0"/>
+        </a:xfrm>
+      </p:grpSpPr>
       <p:sp>
         <p:nvSpPr>
           <p:cNvPr id="2" name="Slide Image Placeholder 1"/>
-          <p:cNvSpPr/>
+          <p:cNvSpPr>
+            <a:spLocks noGrp="1" noRot="1" noChangeAspect="1"/>
+          </p:cNvSpPr>
           <p:nvPr>
             <p:ph type="sldImg" idx="2"/>
           </p:nvPr>
@@ -4253,7 +4333,9 @@
       <p:sp>
         <p:nvSpPr>
           <p:cNvPr id="3" name="Text Placeholder 2"/>
-          <p:cNvSpPr/>
+          <p:cNvSpPr>
+            <a:spLocks noGrp="1"/>
+          </p:cNvSpPr>
           <p:nvPr>
             <p:ph type="body" idx="3"/>
           </p:nvPr>
@@ -4261,19 +4343,18 @@
         <p:spPr/>
         <p:txBody>
           <a:bodyPr/>
+          <a:lstStyle/>
           <a:p>
             <a:r>
               <a:rPr lang="en-US"/>
               <a:t>Binary rating matrix is useful when no actual user ratings is available, and it also does not require normalisation.</a:t>
             </a:r>
-            <a:endParaRPr lang="en-US"/>
           </a:p>
           <a:p>
             <a:r>
               <a:rPr lang="en-US"/>
               <a:t>The rating matrix must be rearranged with orders in rows and products in columns.</a:t>
             </a:r>
-            <a:endParaRPr lang="en-US"/>
           </a:p>
         </p:txBody>
       </p:sp>
@@ -4294,11 +4375,20 @@
         <p:cNvGrpSpPr/>
         <p:nvPr/>
       </p:nvGrpSpPr>
-      <p:grpSpPr/>
+      <p:grpSpPr>
+        <a:xfrm>
+          <a:off x="0" y="0"/>
+          <a:ext cx="0" cy="0"/>
+          <a:chOff x="0" y="0"/>
+          <a:chExt cx="0" cy="0"/>
+        </a:xfrm>
+      </p:grpSpPr>
       <p:sp>
         <p:nvSpPr>
           <p:cNvPr id="2" name="Slide Image Placeholder 1"/>
-          <p:cNvSpPr/>
+          <p:cNvSpPr>
+            <a:spLocks noGrp="1" noRot="1" noChangeAspect="1"/>
+          </p:cNvSpPr>
           <p:nvPr>
             <p:ph type="sldImg" idx="2"/>
           </p:nvPr>
@@ -4308,7 +4398,9 @@
       <p:sp>
         <p:nvSpPr>
           <p:cNvPr id="3" name="Text Placeholder 2"/>
-          <p:cNvSpPr/>
+          <p:cNvSpPr>
+            <a:spLocks noGrp="1"/>
+          </p:cNvSpPr>
           <p:nvPr>
             <p:ph type="body" idx="3"/>
           </p:nvPr>
@@ -4316,6 +4408,7 @@
         <p:spPr/>
         <p:txBody>
           <a:bodyPr/>
+          <a:lstStyle/>
           <a:p>
             <a:r>
               <a:rPr lang="en-US">
@@ -4335,9 +4428,6 @@
               </a:rPr>
               <a:t>evaluate on the binary rating matrix and include random items algorithm for benchmarking</a:t>
             </a:r>
-            <a:endParaRPr lang="en-US">
-              <a:sym typeface="+mn-ea"/>
-            </a:endParaRPr>
           </a:p>
           <a:p>
             <a:pPr marL="0" indent="0">
@@ -4509,6 +4599,7 @@
           <a:p>
             <a:fld id="{C307B93B-720E-4564-A218-41E26D0DE574}" type="datetimeFigureOut">
               <a:rPr lang="en-CA" smtClean="0"/>
+              <a:t>2021-03-19</a:t>
             </a:fld>
             <a:endParaRPr lang="en-CA"/>
           </a:p>
@@ -4560,6 +4651,7 @@
           <a:p>
             <a:fld id="{4C49AFB3-6643-4BEB-9D0A-3FA66C170A02}" type="slidenum">
               <a:rPr lang="en-CA" smtClean="0"/>
+              <a:t>‹#›</a:t>
             </a:fld>
             <a:endParaRPr lang="en-CA"/>
           </a:p>
@@ -4664,7 +4756,6 @@
               <a:rPr lang="en-US"/>
               <a:t>Click to edit Master text styles</a:t>
             </a:r>
-            <a:endParaRPr lang="en-US"/>
           </a:p>
           <a:p>
             <a:pPr lvl="1"/>
@@ -4672,7 +4763,6 @@
               <a:rPr lang="en-US"/>
               <a:t>Second level</a:t>
             </a:r>
-            <a:endParaRPr lang="en-US"/>
           </a:p>
           <a:p>
             <a:pPr lvl="2"/>
@@ -4680,7 +4770,6 @@
               <a:rPr lang="en-US"/>
               <a:t>Third level</a:t>
             </a:r>
-            <a:endParaRPr lang="en-US"/>
           </a:p>
           <a:p>
             <a:pPr lvl="3"/>
@@ -4688,7 +4777,6 @@
               <a:rPr lang="en-US"/>
               <a:t>Fourth level</a:t>
             </a:r>
-            <a:endParaRPr lang="en-US"/>
           </a:p>
           <a:p>
             <a:pPr lvl="4"/>
@@ -4717,6 +4805,7 @@
           <a:p>
             <a:fld id="{C307B93B-720E-4564-A218-41E26D0DE574}" type="datetimeFigureOut">
               <a:rPr lang="en-CA" smtClean="0"/>
+              <a:t>2021-03-19</a:t>
             </a:fld>
             <a:endParaRPr lang="en-CA"/>
           </a:p>
@@ -4758,6 +4847,7 @@
           <a:p>
             <a:fld id="{4C49AFB3-6643-4BEB-9D0A-3FA66C170A02}" type="slidenum">
               <a:rPr lang="en-CA" smtClean="0"/>
+              <a:t>‹#›</a:t>
             </a:fld>
             <a:endParaRPr lang="en-CA"/>
           </a:p>
@@ -4876,7 +4966,6 @@
               <a:rPr lang="en-US"/>
               <a:t>Click to edit Master text styles</a:t>
             </a:r>
-            <a:endParaRPr lang="en-US"/>
           </a:p>
           <a:p>
             <a:pPr lvl="1"/>
@@ -4884,7 +4973,6 @@
               <a:rPr lang="en-US"/>
               <a:t>Second level</a:t>
             </a:r>
-            <a:endParaRPr lang="en-US"/>
           </a:p>
           <a:p>
             <a:pPr lvl="2"/>
@@ -4892,7 +4980,6 @@
               <a:rPr lang="en-US"/>
               <a:t>Third level</a:t>
             </a:r>
-            <a:endParaRPr lang="en-US"/>
           </a:p>
           <a:p>
             <a:pPr lvl="3"/>
@@ -4900,7 +4987,6 @@
               <a:rPr lang="en-US"/>
               <a:t>Fourth level</a:t>
             </a:r>
-            <a:endParaRPr lang="en-US"/>
           </a:p>
           <a:p>
             <a:pPr lvl="4"/>
@@ -4929,6 +5015,7 @@
           <a:p>
             <a:fld id="{C307B93B-720E-4564-A218-41E26D0DE574}" type="datetimeFigureOut">
               <a:rPr lang="en-CA" smtClean="0"/>
+              <a:t>2021-03-19</a:t>
             </a:fld>
             <a:endParaRPr lang="en-CA"/>
           </a:p>
@@ -4970,6 +5057,7 @@
           <a:p>
             <a:fld id="{4C49AFB3-6643-4BEB-9D0A-3FA66C170A02}" type="slidenum">
               <a:rPr lang="en-CA" smtClean="0"/>
+              <a:t>‹#›</a:t>
             </a:fld>
             <a:endParaRPr lang="en-CA"/>
           </a:p>
@@ -5074,7 +5162,6 @@
               <a:rPr lang="en-US"/>
               <a:t>Click to edit Master text styles</a:t>
             </a:r>
-            <a:endParaRPr lang="en-US"/>
           </a:p>
           <a:p>
             <a:pPr lvl="1"/>
@@ -5082,7 +5169,6 @@
               <a:rPr lang="en-US"/>
               <a:t>Second level</a:t>
             </a:r>
-            <a:endParaRPr lang="en-US"/>
           </a:p>
           <a:p>
             <a:pPr lvl="2"/>
@@ -5090,7 +5176,6 @@
               <a:rPr lang="en-US"/>
               <a:t>Third level</a:t>
             </a:r>
-            <a:endParaRPr lang="en-US"/>
           </a:p>
           <a:p>
             <a:pPr lvl="3"/>
@@ -5098,7 +5183,6 @@
               <a:rPr lang="en-US"/>
               <a:t>Fourth level</a:t>
             </a:r>
-            <a:endParaRPr lang="en-US"/>
           </a:p>
           <a:p>
             <a:pPr lvl="4"/>
@@ -5127,6 +5211,7 @@
           <a:p>
             <a:fld id="{C307B93B-720E-4564-A218-41E26D0DE574}" type="datetimeFigureOut">
               <a:rPr lang="en-CA" smtClean="0"/>
+              <a:t>2021-03-19</a:t>
             </a:fld>
             <a:endParaRPr lang="en-CA"/>
           </a:p>
@@ -5168,6 +5253,7 @@
           <a:p>
             <a:fld id="{4C49AFB3-6643-4BEB-9D0A-3FA66C170A02}" type="slidenum">
               <a:rPr lang="en-CA" smtClean="0"/>
+              <a:t>‹#›</a:t>
             </a:fld>
             <a:endParaRPr lang="en-CA"/>
           </a:p>
@@ -5379,7 +5465,6 @@
               <a:rPr lang="en-US"/>
               <a:t>Click to edit Master text styles</a:t>
             </a:r>
-            <a:endParaRPr lang="en-US"/>
           </a:p>
         </p:txBody>
       </p:sp>
@@ -5400,6 +5485,7 @@
           <a:p>
             <a:fld id="{C307B93B-720E-4564-A218-41E26D0DE574}" type="datetimeFigureOut">
               <a:rPr lang="en-CA" smtClean="0"/>
+              <a:t>2021-03-19</a:t>
             </a:fld>
             <a:endParaRPr lang="en-CA"/>
           </a:p>
@@ -5441,6 +5527,7 @@
           <a:p>
             <a:fld id="{4C49AFB3-6643-4BEB-9D0A-3FA66C170A02}" type="slidenum">
               <a:rPr lang="en-CA" smtClean="0"/>
+              <a:t>‹#›</a:t>
             </a:fld>
             <a:endParaRPr lang="en-CA"/>
           </a:p>
@@ -5555,7 +5642,6 @@
               <a:rPr lang="en-US"/>
               <a:t>Click to edit Master text styles</a:t>
             </a:r>
-            <a:endParaRPr lang="en-US"/>
           </a:p>
           <a:p>
             <a:pPr lvl="1"/>
@@ -5563,7 +5649,6 @@
               <a:rPr lang="en-US"/>
               <a:t>Second level</a:t>
             </a:r>
-            <a:endParaRPr lang="en-US"/>
           </a:p>
           <a:p>
             <a:pPr lvl="2"/>
@@ -5571,7 +5656,6 @@
               <a:rPr lang="en-US"/>
               <a:t>Third level</a:t>
             </a:r>
-            <a:endParaRPr lang="en-US"/>
           </a:p>
           <a:p>
             <a:pPr lvl="3"/>
@@ -5579,7 +5663,6 @@
               <a:rPr lang="en-US"/>
               <a:t>Fourth level</a:t>
             </a:r>
-            <a:endParaRPr lang="en-US"/>
           </a:p>
           <a:p>
             <a:pPr lvl="4"/>
@@ -5616,7 +5699,6 @@
               <a:rPr lang="en-US"/>
               <a:t>Click to edit Master text styles</a:t>
             </a:r>
-            <a:endParaRPr lang="en-US"/>
           </a:p>
           <a:p>
             <a:pPr lvl="1"/>
@@ -5624,7 +5706,6 @@
               <a:rPr lang="en-US"/>
               <a:t>Second level</a:t>
             </a:r>
-            <a:endParaRPr lang="en-US"/>
           </a:p>
           <a:p>
             <a:pPr lvl="2"/>
@@ -5632,7 +5713,6 @@
               <a:rPr lang="en-US"/>
               <a:t>Third level</a:t>
             </a:r>
-            <a:endParaRPr lang="en-US"/>
           </a:p>
           <a:p>
             <a:pPr lvl="3"/>
@@ -5640,7 +5720,6 @@
               <a:rPr lang="en-US"/>
               <a:t>Fourth level</a:t>
             </a:r>
-            <a:endParaRPr lang="en-US"/>
           </a:p>
           <a:p>
             <a:pPr lvl="4"/>
@@ -5669,6 +5748,7 @@
           <a:p>
             <a:fld id="{C307B93B-720E-4564-A218-41E26D0DE574}" type="datetimeFigureOut">
               <a:rPr lang="en-CA" smtClean="0"/>
+              <a:t>2021-03-19</a:t>
             </a:fld>
             <a:endParaRPr lang="en-CA"/>
           </a:p>
@@ -5710,6 +5790,7 @@
           <a:p>
             <a:fld id="{4C49AFB3-6643-4BEB-9D0A-3FA66C170A02}" type="slidenum">
               <a:rPr lang="en-CA" smtClean="0"/>
+              <a:t>‹#›</a:t>
             </a:fld>
             <a:endParaRPr lang="en-CA"/>
           </a:p>
@@ -5870,7 +5951,6 @@
               <a:rPr lang="en-US"/>
               <a:t>Click to edit Master text styles</a:t>
             </a:r>
-            <a:endParaRPr lang="en-US"/>
           </a:p>
         </p:txBody>
       </p:sp>
@@ -5899,7 +5979,6 @@
               <a:rPr lang="en-US"/>
               <a:t>Click to edit Master text styles</a:t>
             </a:r>
-            <a:endParaRPr lang="en-US"/>
           </a:p>
           <a:p>
             <a:pPr lvl="1"/>
@@ -5907,7 +5986,6 @@
               <a:rPr lang="en-US"/>
               <a:t>Second level</a:t>
             </a:r>
-            <a:endParaRPr lang="en-US"/>
           </a:p>
           <a:p>
             <a:pPr lvl="2"/>
@@ -5915,7 +5993,6 @@
               <a:rPr lang="en-US"/>
               <a:t>Third level</a:t>
             </a:r>
-            <a:endParaRPr lang="en-US"/>
           </a:p>
           <a:p>
             <a:pPr lvl="3"/>
@@ -5923,7 +6000,6 @@
               <a:rPr lang="en-US"/>
               <a:t>Fourth level</a:t>
             </a:r>
-            <a:endParaRPr lang="en-US"/>
           </a:p>
           <a:p>
             <a:pPr lvl="4"/>
@@ -6006,7 +6082,6 @@
               <a:rPr lang="en-US"/>
               <a:t>Click to edit Master text styles</a:t>
             </a:r>
-            <a:endParaRPr lang="en-US"/>
           </a:p>
         </p:txBody>
       </p:sp>
@@ -6035,7 +6110,6 @@
               <a:rPr lang="en-US"/>
               <a:t>Click to edit Master text styles</a:t>
             </a:r>
-            <a:endParaRPr lang="en-US"/>
           </a:p>
           <a:p>
             <a:pPr lvl="1"/>
@@ -6043,7 +6117,6 @@
               <a:rPr lang="en-US"/>
               <a:t>Second level</a:t>
             </a:r>
-            <a:endParaRPr lang="en-US"/>
           </a:p>
           <a:p>
             <a:pPr lvl="2"/>
@@ -6051,7 +6124,6 @@
               <a:rPr lang="en-US"/>
               <a:t>Third level</a:t>
             </a:r>
-            <a:endParaRPr lang="en-US"/>
           </a:p>
           <a:p>
             <a:pPr lvl="3"/>
@@ -6059,7 +6131,6 @@
               <a:rPr lang="en-US"/>
               <a:t>Fourth level</a:t>
             </a:r>
-            <a:endParaRPr lang="en-US"/>
           </a:p>
           <a:p>
             <a:pPr lvl="4"/>
@@ -6088,6 +6159,7 @@
           <a:p>
             <a:fld id="{C307B93B-720E-4564-A218-41E26D0DE574}" type="datetimeFigureOut">
               <a:rPr lang="en-CA" smtClean="0"/>
+              <a:t>2021-03-19</a:t>
             </a:fld>
             <a:endParaRPr lang="en-CA"/>
           </a:p>
@@ -6129,6 +6201,7 @@
           <a:p>
             <a:fld id="{4C49AFB3-6643-4BEB-9D0A-3FA66C170A02}" type="slidenum">
               <a:rPr lang="en-CA" smtClean="0"/>
+              <a:t>‹#›</a:t>
             </a:fld>
             <a:endParaRPr lang="en-CA"/>
           </a:p>
@@ -6230,6 +6303,7 @@
           <a:p>
             <a:fld id="{C307B93B-720E-4564-A218-41E26D0DE574}" type="datetimeFigureOut">
               <a:rPr lang="en-CA" smtClean="0"/>
+              <a:t>2021-03-19</a:t>
             </a:fld>
             <a:endParaRPr lang="en-CA"/>
           </a:p>
@@ -6271,6 +6345,7 @@
           <a:p>
             <a:fld id="{4C49AFB3-6643-4BEB-9D0A-3FA66C170A02}" type="slidenum">
               <a:rPr lang="en-CA" smtClean="0"/>
+              <a:t>‹#›</a:t>
             </a:fld>
             <a:endParaRPr lang="en-CA"/>
           </a:p>
@@ -6349,6 +6424,7 @@
           <a:p>
             <a:fld id="{C307B93B-720E-4564-A218-41E26D0DE574}" type="datetimeFigureOut">
               <a:rPr lang="en-CA" smtClean="0"/>
+              <a:t>2021-03-19</a:t>
             </a:fld>
             <a:endParaRPr lang="en-CA"/>
           </a:p>
@@ -6390,6 +6466,7 @@
           <a:p>
             <a:fld id="{4C49AFB3-6643-4BEB-9D0A-3FA66C170A02}" type="slidenum">
               <a:rPr lang="en-CA" smtClean="0"/>
+              <a:t>‹#›</a:t>
             </a:fld>
             <a:endParaRPr lang="en-CA"/>
           </a:p>
@@ -6479,7 +6556,6 @@
               <a:rPr lang="en-US"/>
               <a:t>Click to edit Master text styles</a:t>
             </a:r>
-            <a:endParaRPr lang="en-US"/>
           </a:p>
           <a:p>
             <a:pPr lvl="1"/>
@@ -6487,7 +6563,6 @@
               <a:rPr lang="en-US"/>
               <a:t>Second level</a:t>
             </a:r>
-            <a:endParaRPr lang="en-US"/>
           </a:p>
           <a:p>
             <a:pPr lvl="2"/>
@@ -6495,7 +6570,6 @@
               <a:rPr lang="en-US"/>
               <a:t>Third level</a:t>
             </a:r>
-            <a:endParaRPr lang="en-US"/>
           </a:p>
           <a:p>
             <a:pPr lvl="3"/>
@@ -6503,7 +6577,6 @@
               <a:rPr lang="en-US"/>
               <a:t>Fourth level</a:t>
             </a:r>
-            <a:endParaRPr lang="en-US"/>
           </a:p>
           <a:p>
             <a:pPr lvl="4"/>
@@ -6577,7 +6650,6 @@
               <a:rPr lang="en-US"/>
               <a:t>Click to edit Master text styles</a:t>
             </a:r>
-            <a:endParaRPr lang="en-US"/>
           </a:p>
         </p:txBody>
       </p:sp>
@@ -6598,6 +6670,7 @@
           <a:p>
             <a:fld id="{C307B93B-720E-4564-A218-41E26D0DE574}" type="datetimeFigureOut">
               <a:rPr lang="en-CA" smtClean="0"/>
+              <a:t>2021-03-19</a:t>
             </a:fld>
             <a:endParaRPr lang="en-CA"/>
           </a:p>
@@ -6639,6 +6712,7 @@
           <a:p>
             <a:fld id="{4C49AFB3-6643-4BEB-9D0A-3FA66C170A02}" type="slidenum">
               <a:rPr lang="en-CA" smtClean="0"/>
+              <a:t>‹#›</a:t>
             </a:fld>
             <a:endParaRPr lang="en-CA"/>
           </a:p>
@@ -7007,7 +7081,6 @@
               <a:rPr lang="en-US"/>
               <a:t>Click to edit Master text styles</a:t>
             </a:r>
-            <a:endParaRPr lang="en-US"/>
           </a:p>
         </p:txBody>
       </p:sp>
@@ -7037,6 +7110,7 @@
           <a:p>
             <a:fld id="{C307B93B-720E-4564-A218-41E26D0DE574}" type="datetimeFigureOut">
               <a:rPr lang="en-CA" smtClean="0"/>
+              <a:t>2021-03-19</a:t>
             </a:fld>
             <a:endParaRPr lang="en-CA"/>
           </a:p>
@@ -7083,6 +7157,7 @@
           <a:p>
             <a:fld id="{4C49AFB3-6643-4BEB-9D0A-3FA66C170A02}" type="slidenum">
               <a:rPr lang="en-CA" smtClean="0"/>
+              <a:t>‹#›</a:t>
             </a:fld>
             <a:endParaRPr lang="en-CA"/>
           </a:p>
@@ -7207,7 +7282,7 @@
           <p:nvPr/>
         </p:nvPicPr>
         <p:blipFill rotWithShape="1">
-          <a:blip r:embed="rId12">
+          <a:blip r:embed="rId13">
             <a:extLst>
               <a:ext uri="{28A0092B-C50C-407E-A947-70E740481C1C}">
                 <a14:useLocalDpi xmlns:a14="http://schemas.microsoft.com/office/drawing/2010/main" val="0"/>
@@ -7292,7 +7367,6 @@
               <a:rPr lang="en-US"/>
               <a:t>Click to edit Master text styles</a:t>
             </a:r>
-            <a:endParaRPr lang="en-US"/>
           </a:p>
           <a:p>
             <a:pPr lvl="1"/>
@@ -7300,7 +7374,6 @@
               <a:rPr lang="en-US"/>
               <a:t>Second level</a:t>
             </a:r>
-            <a:endParaRPr lang="en-US"/>
           </a:p>
           <a:p>
             <a:pPr lvl="2"/>
@@ -7308,7 +7381,6 @@
               <a:rPr lang="en-US"/>
               <a:t>Third level</a:t>
             </a:r>
-            <a:endParaRPr lang="en-US"/>
           </a:p>
           <a:p>
             <a:pPr lvl="3"/>
@@ -7316,7 +7388,6 @@
               <a:rPr lang="en-US"/>
               <a:t>Fourth level</a:t>
             </a:r>
-            <a:endParaRPr lang="en-US"/>
           </a:p>
           <a:p>
             <a:pPr lvl="4"/>
@@ -7363,6 +7434,7 @@
           <a:p>
             <a:fld id="{C307B93B-720E-4564-A218-41E26D0DE574}" type="datetimeFigureOut">
               <a:rPr lang="en-CA" smtClean="0"/>
+              <a:t>2021-03-19</a:t>
             </a:fld>
             <a:endParaRPr lang="en-CA"/>
           </a:p>
@@ -7438,6 +7510,7 @@
           <a:p>
             <a:fld id="{4C49AFB3-6643-4BEB-9D0A-3FA66C170A02}" type="slidenum">
               <a:rPr lang="en-CA" smtClean="0"/>
+              <a:t>‹#›</a:t>
             </a:fld>
             <a:endParaRPr lang="en-CA"/>
           </a:p>
@@ -7865,10 +7938,9 @@
           <a:lstStyle/>
           <a:p>
             <a:r>
-              <a:rPr lang="en-CA" dirty="0" smtClean="0"/>
+              <a:rPr lang="en-CA" dirty="0"/>
               <a:t>SMART CART RECOMMENDATION SYSTEM</a:t>
             </a:r>
-            <a:endParaRPr lang="en-CA" dirty="0"/>
           </a:p>
         </p:txBody>
       </p:sp>
@@ -7897,7 +7969,6 @@
               <a:rPr lang="en-CA" dirty="0"/>
               <a:t>March 19, 2021</a:t>
             </a:r>
-            <a:endParaRPr lang="en-CA" dirty="0"/>
           </a:p>
           <a:p>
             <a:pPr algn="r"/>
@@ -7913,7 +7984,6 @@
               <a:rPr lang="en-CA" dirty="0"/>
               <a:t>, Queenie Tsang, Crystal (Yunan) Zhu</a:t>
             </a:r>
-            <a:endParaRPr lang="en-CA" dirty="0"/>
           </a:p>
         </p:txBody>
       </p:sp>
@@ -7926,7 +7996,7 @@
           <p:nvPr/>
         </p:nvPicPr>
         <p:blipFill>
-          <a:blip r:embed="rId1" cstate="print">
+          <a:blip r:embed="rId2" cstate="print">
             <a:extLst>
               <a:ext uri="{28A0092B-C50C-407E-A947-70E740481C1C}">
                 <a14:useLocalDpi xmlns:a14="http://schemas.microsoft.com/office/drawing/2010/main" val="0"/>
@@ -7964,7 +8034,14 @@
         <p:cNvGrpSpPr/>
         <p:nvPr/>
       </p:nvGrpSpPr>
-      <p:grpSpPr/>
+      <p:grpSpPr>
+        <a:xfrm>
+          <a:off x="0" y="0"/>
+          <a:ext cx="0" cy="0"/>
+          <a:chOff x="0" y="0"/>
+          <a:chExt cx="0" cy="0"/>
+        </a:xfrm>
+      </p:grpSpPr>
       <p:sp>
         <p:nvSpPr>
           <p:cNvPr id="2" name="Title 1"/>
@@ -7978,6 +8055,7 @@
         <p:spPr/>
         <p:txBody>
           <a:bodyPr/>
+          <a:lstStyle/>
           <a:p>
             <a:endParaRPr lang="en-US"/>
           </a:p>
@@ -7986,7 +8064,9 @@
       <p:sp>
         <p:nvSpPr>
           <p:cNvPr id="7" name="Content Placeholder 6"/>
-          <p:cNvSpPr/>
+          <p:cNvSpPr>
+            <a:spLocks noGrp="1"/>
+          </p:cNvSpPr>
           <p:nvPr>
             <p:ph sz="half" idx="1"/>
           </p:nvPr>
@@ -7994,6 +8074,7 @@
         <p:spPr/>
         <p:txBody>
           <a:bodyPr/>
+          <a:lstStyle/>
           <a:p>
             <a:endParaRPr lang="en-US"/>
           </a:p>
@@ -8003,7 +8084,7 @@
         <p:nvGraphicFramePr>
           <p:cNvPr id="8" name="Content Placeholder 7"/>
           <p:cNvGraphicFramePr>
-            <a:graphicFrameLocks noChangeAspect="1"/>
+            <a:graphicFrameLocks noGrp="1" noChangeAspect="1"/>
           </p:cNvGraphicFramePr>
           <p:nvPr>
             <p:ph sz="half" idx="2"/>
@@ -8017,12 +8098,12 @@
           <a:graphicData uri="http://schemas.openxmlformats.org/presentationml/2006/ole">
             <mc:AlternateContent xmlns:mc="http://schemas.openxmlformats.org/markup-compatibility/2006">
               <mc:Choice xmlns:v="urn:schemas-microsoft-com:vml" Requires="v">
-                <p:oleObj spid="_x0000_s9" name="" r:id="rId1" imgW="6296025" imgH="5000625" progId="Paint.Picture">
+                <p:oleObj r:id="rId3" imgW="6296025" imgH="5000625" progId="Paint.Picture">
                   <p:embed/>
                 </p:oleObj>
               </mc:Choice>
               <mc:Fallback>
-                <p:oleObj name="" r:id="rId1" imgW="6296025" imgH="5000625" progId="Paint.Picture">
+                <p:oleObj r:id="rId3" imgW="6296025" imgH="5000625" progId="Paint.Picture">
                   <p:embed/>
                   <p:pic>
                     <p:nvPicPr>
@@ -8031,7 +8112,7 @@
                       <p:nvPr/>
                     </p:nvPicPr>
                     <p:blipFill>
-                      <a:blip r:embed="rId2"/>
+                      <a:blip r:embed="rId4"/>
                       <a:stretch>
                         <a:fillRect/>
                       </a:stretch>
@@ -8069,7 +8150,14 @@
         <p:cNvGrpSpPr/>
         <p:nvPr/>
       </p:nvGrpSpPr>
-      <p:grpSpPr/>
+      <p:grpSpPr>
+        <a:xfrm>
+          <a:off x="0" y="0"/>
+          <a:ext cx="0" cy="0"/>
+          <a:chOff x="0" y="0"/>
+          <a:chExt cx="0" cy="0"/>
+        </a:xfrm>
+      </p:grpSpPr>
       <p:sp>
         <p:nvSpPr>
           <p:cNvPr id="2" name="Title 1"/>
@@ -8083,6 +8171,7 @@
         <p:spPr/>
         <p:txBody>
           <a:bodyPr/>
+          <a:lstStyle/>
           <a:p>
             <a:endParaRPr lang="en-US"/>
           </a:p>
@@ -8101,6 +8190,7 @@
         <p:spPr/>
         <p:txBody>
           <a:bodyPr/>
+          <a:lstStyle/>
           <a:p>
             <a:endParaRPr lang="en-US"/>
           </a:p>
@@ -8110,7 +8200,7 @@
         <p:nvGraphicFramePr>
           <p:cNvPr id="5" name="Content Placeholder 4"/>
           <p:cNvGraphicFramePr>
-            <a:graphicFrameLocks noChangeAspect="1"/>
+            <a:graphicFrameLocks noGrp="1" noChangeAspect="1"/>
           </p:cNvGraphicFramePr>
           <p:nvPr>
             <p:ph sz="half" idx="1"/>
@@ -8124,12 +8214,12 @@
           <a:graphicData uri="http://schemas.openxmlformats.org/presentationml/2006/ole">
             <mc:AlternateContent xmlns:mc="http://schemas.openxmlformats.org/markup-compatibility/2006">
               <mc:Choice xmlns:v="urn:schemas-microsoft-com:vml" Requires="v">
-                <p:oleObj spid="_x0000_s6" name="" r:id="rId1" imgW="7019925" imgH="5133975" progId="Paint.Picture">
+                <p:oleObj r:id="rId2" imgW="7019925" imgH="5133975" progId="Paint.Picture">
                   <p:embed/>
                 </p:oleObj>
               </mc:Choice>
               <mc:Fallback>
-                <p:oleObj name="" r:id="rId1" imgW="7019925" imgH="5133975" progId="Paint.Picture">
+                <p:oleObj r:id="rId2" imgW="7019925" imgH="5133975" progId="Paint.Picture">
                   <p:embed/>
                   <p:pic>
                     <p:nvPicPr>
@@ -8138,7 +8228,7 @@
                       <p:nvPr/>
                     </p:nvPicPr>
                     <p:blipFill>
-                      <a:blip r:embed="rId2"/>
+                      <a:blip r:embed="rId3"/>
                       <a:stretch>
                         <a:fillRect/>
                       </a:stretch>
@@ -8176,7 +8266,14 @@
         <p:cNvGrpSpPr/>
         <p:nvPr/>
       </p:nvGrpSpPr>
-      <p:grpSpPr/>
+      <p:grpSpPr>
+        <a:xfrm>
+          <a:off x="0" y="0"/>
+          <a:ext cx="0" cy="0"/>
+          <a:chOff x="0" y="0"/>
+          <a:chExt cx="0" cy="0"/>
+        </a:xfrm>
+      </p:grpSpPr>
       <p:sp>
         <p:nvSpPr>
           <p:cNvPr id="2" name="Title 1"/>
@@ -8190,6 +8287,7 @@
         <p:spPr/>
         <p:txBody>
           <a:bodyPr/>
+          <a:lstStyle/>
           <a:p>
             <a:endParaRPr lang="en-US"/>
           </a:p>
@@ -8208,6 +8306,7 @@
         <p:spPr/>
         <p:txBody>
           <a:bodyPr/>
+          <a:lstStyle/>
           <a:p>
             <a:endParaRPr lang="en-US"/>
           </a:p>
@@ -8217,7 +8316,7 @@
         <p:nvGraphicFramePr>
           <p:cNvPr id="5" name="Content Placeholder 4"/>
           <p:cNvGraphicFramePr>
-            <a:graphicFrameLocks noChangeAspect="1"/>
+            <a:graphicFrameLocks noGrp="1" noChangeAspect="1"/>
           </p:cNvGraphicFramePr>
           <p:nvPr>
             <p:ph sz="half" idx="1"/>
@@ -8231,12 +8330,12 @@
           <a:graphicData uri="http://schemas.openxmlformats.org/presentationml/2006/ole">
             <mc:AlternateContent xmlns:mc="http://schemas.openxmlformats.org/markup-compatibility/2006">
               <mc:Choice xmlns:v="urn:schemas-microsoft-com:vml" Requires="v">
-                <p:oleObj spid="_x0000_s6" name="" r:id="rId1" imgW="6296025" imgH="4676775" progId="Paint.Picture">
+                <p:oleObj r:id="rId3" imgW="6296025" imgH="4676775" progId="Paint.Picture">
                   <p:embed/>
                 </p:oleObj>
               </mc:Choice>
               <mc:Fallback>
-                <p:oleObj name="" r:id="rId1" imgW="6296025" imgH="4676775" progId="Paint.Picture">
+                <p:oleObj r:id="rId3" imgW="6296025" imgH="4676775" progId="Paint.Picture">
                   <p:embed/>
                   <p:pic>
                     <p:nvPicPr>
@@ -8245,7 +8344,7 @@
                       <p:nvPr/>
                     </p:nvPicPr>
                     <p:blipFill>
-                      <a:blip r:embed="rId2"/>
+                      <a:blip r:embed="rId4"/>
                       <a:stretch>
                         <a:fillRect/>
                       </a:stretch>
@@ -8283,7 +8382,14 @@
         <p:cNvGrpSpPr/>
         <p:nvPr/>
       </p:nvGrpSpPr>
-      <p:grpSpPr/>
+      <p:grpSpPr>
+        <a:xfrm>
+          <a:off x="0" y="0"/>
+          <a:ext cx="0" cy="0"/>
+          <a:chOff x="0" y="0"/>
+          <a:chExt cx="0" cy="0"/>
+        </a:xfrm>
+      </p:grpSpPr>
       <p:sp>
         <p:nvSpPr>
           <p:cNvPr id="2" name="Title 1"/>
@@ -8297,12 +8403,12 @@
         <p:spPr/>
         <p:txBody>
           <a:bodyPr/>
+          <a:lstStyle/>
           <a:p>
             <a:r>
               <a:rPr lang="en-CA" altLang="en-US"/>
               <a:t>Count of Products sold by department</a:t>
             </a:r>
-            <a:endParaRPr lang="en-CA" altLang="en-US"/>
           </a:p>
         </p:txBody>
       </p:sp>
@@ -8319,6 +8425,7 @@
         <p:spPr/>
         <p:txBody>
           <a:bodyPr/>
+          <a:lstStyle/>
           <a:p>
             <a:endParaRPr lang="en-US"/>
           </a:p>
@@ -8328,7 +8435,7 @@
         <p:nvGraphicFramePr>
           <p:cNvPr id="5" name="Content Placeholder 4"/>
           <p:cNvGraphicFramePr>
-            <a:graphicFrameLocks noChangeAspect="1"/>
+            <a:graphicFrameLocks noGrp="1" noChangeAspect="1"/>
           </p:cNvGraphicFramePr>
           <p:nvPr>
             <p:ph sz="half" idx="1"/>
@@ -8342,12 +8449,12 @@
           <a:graphicData uri="http://schemas.openxmlformats.org/presentationml/2006/ole">
             <mc:AlternateContent xmlns:mc="http://schemas.openxmlformats.org/markup-compatibility/2006">
               <mc:Choice xmlns:v="urn:schemas-microsoft-com:vml" Requires="v">
-                <p:oleObj spid="_x0000_s6" name="" r:id="rId1" imgW="7686675" imgH="5229225" progId="Paint.Picture">
+                <p:oleObj r:id="rId2" imgW="7686675" imgH="5229225" progId="Paint.Picture">
                   <p:embed/>
                 </p:oleObj>
               </mc:Choice>
               <mc:Fallback>
-                <p:oleObj name="" r:id="rId1" imgW="7686675" imgH="5229225" progId="Paint.Picture">
+                <p:oleObj r:id="rId2" imgW="7686675" imgH="5229225" progId="Paint.Picture">
                   <p:embed/>
                   <p:pic>
                     <p:nvPicPr>
@@ -8356,7 +8463,7 @@
                       <p:nvPr/>
                     </p:nvPicPr>
                     <p:blipFill>
-                      <a:blip r:embed="rId2"/>
+                      <a:blip r:embed="rId3"/>
                       <a:stretch>
                         <a:fillRect/>
                       </a:stretch>
@@ -8394,7 +8501,14 @@
         <p:cNvGrpSpPr/>
         <p:nvPr/>
       </p:nvGrpSpPr>
-      <p:grpSpPr/>
+      <p:grpSpPr>
+        <a:xfrm>
+          <a:off x="0" y="0"/>
+          <a:ext cx="0" cy="0"/>
+          <a:chOff x="0" y="0"/>
+          <a:chExt cx="0" cy="0"/>
+        </a:xfrm>
+      </p:grpSpPr>
       <p:sp>
         <p:nvSpPr>
           <p:cNvPr id="2" name="Title 1"/>
@@ -8408,12 +8522,12 @@
         <p:spPr/>
         <p:txBody>
           <a:bodyPr/>
+          <a:lstStyle/>
           <a:p>
             <a:r>
               <a:rPr lang="en-CA" altLang="en-US"/>
               <a:t>When are orders placed (Day of week)?</a:t>
             </a:r>
-            <a:endParaRPr lang="en-CA" altLang="en-US"/>
           </a:p>
         </p:txBody>
       </p:sp>
@@ -8430,6 +8544,7 @@
         <p:spPr/>
         <p:txBody>
           <a:bodyPr/>
+          <a:lstStyle/>
           <a:p>
             <a:endParaRPr lang="en-US"/>
           </a:p>
@@ -8439,7 +8554,7 @@
         <p:nvGraphicFramePr>
           <p:cNvPr id="5" name="Content Placeholder 4"/>
           <p:cNvGraphicFramePr>
-            <a:graphicFrameLocks noChangeAspect="1"/>
+            <a:graphicFrameLocks noGrp="1" noChangeAspect="1"/>
           </p:cNvGraphicFramePr>
           <p:nvPr>
             <p:ph sz="half" idx="1"/>
@@ -8453,12 +8568,12 @@
           <a:graphicData uri="http://schemas.openxmlformats.org/presentationml/2006/ole">
             <mc:AlternateContent xmlns:mc="http://schemas.openxmlformats.org/markup-compatibility/2006">
               <mc:Choice xmlns:v="urn:schemas-microsoft-com:vml" Requires="v">
-                <p:oleObj spid="_x0000_s6" name="" r:id="rId1" imgW="7762875" imgH="5057775" progId="Paint.Picture">
+                <p:oleObj r:id="rId2" imgW="7762875" imgH="5057775" progId="Paint.Picture">
                   <p:embed/>
                 </p:oleObj>
               </mc:Choice>
               <mc:Fallback>
-                <p:oleObj name="" r:id="rId1" imgW="7762875" imgH="5057775" progId="Paint.Picture">
+                <p:oleObj r:id="rId2" imgW="7762875" imgH="5057775" progId="Paint.Picture">
                   <p:embed/>
                   <p:pic>
                     <p:nvPicPr>
@@ -8467,7 +8582,7 @@
                       <p:nvPr/>
                     </p:nvPicPr>
                     <p:blipFill>
-                      <a:blip r:embed="rId2"/>
+                      <a:blip r:embed="rId3"/>
                       <a:stretch>
                         <a:fillRect/>
                       </a:stretch>
@@ -8505,7 +8620,14 @@
         <p:cNvGrpSpPr/>
         <p:nvPr/>
       </p:nvGrpSpPr>
-      <p:grpSpPr/>
+      <p:grpSpPr>
+        <a:xfrm>
+          <a:off x="0" y="0"/>
+          <a:ext cx="0" cy="0"/>
+          <a:chOff x="0" y="0"/>
+          <a:chExt cx="0" cy="0"/>
+        </a:xfrm>
+      </p:grpSpPr>
       <p:sp>
         <p:nvSpPr>
           <p:cNvPr id="2" name="Title 1"/>
@@ -8519,12 +8641,12 @@
         <p:spPr/>
         <p:txBody>
           <a:bodyPr/>
+          <a:lstStyle/>
           <a:p>
             <a:r>
               <a:rPr lang="en-CA" altLang="en-US"/>
               <a:t>transactions by days since prior order</a:t>
             </a:r>
-            <a:endParaRPr lang="en-CA" altLang="en-US"/>
           </a:p>
         </p:txBody>
       </p:sp>
@@ -8541,6 +8663,7 @@
         <p:spPr/>
         <p:txBody>
           <a:bodyPr/>
+          <a:lstStyle/>
           <a:p>
             <a:endParaRPr lang="en-US"/>
           </a:p>
@@ -8550,7 +8673,7 @@
         <p:nvGraphicFramePr>
           <p:cNvPr id="5" name="Content Placeholder 4"/>
           <p:cNvGraphicFramePr>
-            <a:graphicFrameLocks noChangeAspect="1"/>
+            <a:graphicFrameLocks noGrp="1" noChangeAspect="1"/>
           </p:cNvGraphicFramePr>
           <p:nvPr>
             <p:ph sz="half" idx="1"/>
@@ -8564,12 +8687,12 @@
           <a:graphicData uri="http://schemas.openxmlformats.org/presentationml/2006/ole">
             <mc:AlternateContent xmlns:mc="http://schemas.openxmlformats.org/markup-compatibility/2006">
               <mc:Choice xmlns:v="urn:schemas-microsoft-com:vml" Requires="v">
-                <p:oleObj spid="_x0000_s6" name="" r:id="rId1" imgW="7705725" imgH="5095875" progId="Paint.Picture">
+                <p:oleObj r:id="rId2" imgW="7705725" imgH="5095875" progId="Paint.Picture">
                   <p:embed/>
                 </p:oleObj>
               </mc:Choice>
               <mc:Fallback>
-                <p:oleObj name="" r:id="rId1" imgW="7705725" imgH="5095875" progId="Paint.Picture">
+                <p:oleObj r:id="rId2" imgW="7705725" imgH="5095875" progId="Paint.Picture">
                   <p:embed/>
                   <p:pic>
                     <p:nvPicPr>
@@ -8578,7 +8701,7 @@
                       <p:nvPr/>
                     </p:nvPicPr>
                     <p:blipFill>
-                      <a:blip r:embed="rId2"/>
+                      <a:blip r:embed="rId3"/>
                       <a:stretch>
                         <a:fillRect/>
                       </a:stretch>
@@ -8616,7 +8739,14 @@
         <p:cNvGrpSpPr/>
         <p:nvPr/>
       </p:nvGrpSpPr>
-      <p:grpSpPr/>
+      <p:grpSpPr>
+        <a:xfrm>
+          <a:off x="0" y="0"/>
+          <a:ext cx="0" cy="0"/>
+          <a:chOff x="0" y="0"/>
+          <a:chExt cx="0" cy="0"/>
+        </a:xfrm>
+      </p:grpSpPr>
       <p:sp>
         <p:nvSpPr>
           <p:cNvPr id="2" name="Title 1"/>
@@ -8630,6 +8760,7 @@
         <p:spPr/>
         <p:txBody>
           <a:bodyPr/>
+          <a:lstStyle/>
           <a:p>
             <a:endParaRPr lang="en-US"/>
           </a:p>
@@ -8648,6 +8779,7 @@
         <p:spPr/>
         <p:txBody>
           <a:bodyPr/>
+          <a:lstStyle/>
           <a:p>
             <a:endParaRPr lang="en-US"/>
           </a:p>
@@ -8657,7 +8789,7 @@
         <p:nvGraphicFramePr>
           <p:cNvPr id="5" name="Content Placeholder 4"/>
           <p:cNvGraphicFramePr>
-            <a:graphicFrameLocks noChangeAspect="1"/>
+            <a:graphicFrameLocks noGrp="1" noChangeAspect="1"/>
           </p:cNvGraphicFramePr>
           <p:nvPr>
             <p:ph sz="half" idx="1"/>
@@ -8671,12 +8803,12 @@
           <a:graphicData uri="http://schemas.openxmlformats.org/presentationml/2006/ole">
             <mc:AlternateContent xmlns:mc="http://schemas.openxmlformats.org/markup-compatibility/2006">
               <mc:Choice xmlns:v="urn:schemas-microsoft-com:vml" Requires="v">
-                <p:oleObj spid="_x0000_s6" name="" r:id="rId1" imgW="4162425" imgH="4829175" progId="Paint.Picture">
+                <p:oleObj r:id="rId2" imgW="4162425" imgH="4829175" progId="Paint.Picture">
                   <p:embed/>
                 </p:oleObj>
               </mc:Choice>
               <mc:Fallback>
-                <p:oleObj name="" r:id="rId1" imgW="4162425" imgH="4829175" progId="Paint.Picture">
+                <p:oleObj r:id="rId2" imgW="4162425" imgH="4829175" progId="Paint.Picture">
                   <p:embed/>
                   <p:pic>
                     <p:nvPicPr>
@@ -8685,7 +8817,7 @@
                       <p:nvPr/>
                     </p:nvPicPr>
                     <p:blipFill>
-                      <a:blip r:embed="rId2"/>
+                      <a:blip r:embed="rId3"/>
                       <a:stretch>
                         <a:fillRect/>
                       </a:stretch>
@@ -8723,7 +8855,14 @@
         <p:cNvGrpSpPr/>
         <p:nvPr/>
       </p:nvGrpSpPr>
-      <p:grpSpPr/>
+      <p:grpSpPr>
+        <a:xfrm>
+          <a:off x="0" y="0"/>
+          <a:ext cx="0" cy="0"/>
+          <a:chOff x="0" y="0"/>
+          <a:chExt cx="0" cy="0"/>
+        </a:xfrm>
+      </p:grpSpPr>
       <p:sp>
         <p:nvSpPr>
           <p:cNvPr id="2" name="Title 1"/>
@@ -8737,6 +8876,7 @@
         <p:spPr/>
         <p:txBody>
           <a:bodyPr/>
+          <a:lstStyle/>
           <a:p>
             <a:endParaRPr lang="en-US"/>
           </a:p>
@@ -8755,6 +8895,7 @@
         <p:spPr/>
         <p:txBody>
           <a:bodyPr/>
+          <a:lstStyle/>
           <a:p>
             <a:endParaRPr lang="en-US"/>
           </a:p>
@@ -8764,7 +8905,7 @@
         <p:nvGraphicFramePr>
           <p:cNvPr id="5" name="Content Placeholder 4"/>
           <p:cNvGraphicFramePr>
-            <a:graphicFrameLocks noChangeAspect="1"/>
+            <a:graphicFrameLocks noGrp="1" noChangeAspect="1"/>
           </p:cNvGraphicFramePr>
           <p:nvPr>
             <p:ph sz="half" idx="1"/>
@@ -8778,12 +8919,12 @@
           <a:graphicData uri="http://schemas.openxmlformats.org/presentationml/2006/ole">
             <mc:AlternateContent xmlns:mc="http://schemas.openxmlformats.org/markup-compatibility/2006">
               <mc:Choice xmlns:v="urn:schemas-microsoft-com:vml" Requires="v">
-                <p:oleObj spid="_x0000_s6" name="" r:id="rId1" imgW="6715125" imgH="4752975" progId="Paint.Picture">
+                <p:oleObj r:id="rId3" imgW="6715125" imgH="4752975" progId="Paint.Picture">
                   <p:embed/>
                 </p:oleObj>
               </mc:Choice>
               <mc:Fallback>
-                <p:oleObj name="" r:id="rId1" imgW="6715125" imgH="4752975" progId="Paint.Picture">
+                <p:oleObj r:id="rId3" imgW="6715125" imgH="4752975" progId="Paint.Picture">
                   <p:embed/>
                   <p:pic>
                     <p:nvPicPr>
@@ -8792,7 +8933,7 @@
                       <p:nvPr/>
                     </p:nvPicPr>
                     <p:blipFill>
-                      <a:blip r:embed="rId2"/>
+                      <a:blip r:embed="rId4"/>
                       <a:stretch>
                         <a:fillRect/>
                       </a:stretch>
@@ -8830,7 +8971,14 @@
         <p:cNvGrpSpPr/>
         <p:nvPr/>
       </p:nvGrpSpPr>
-      <p:grpSpPr/>
+      <p:grpSpPr>
+        <a:xfrm>
+          <a:off x="0" y="0"/>
+          <a:ext cx="0" cy="0"/>
+          <a:chOff x="0" y="0"/>
+          <a:chExt cx="0" cy="0"/>
+        </a:xfrm>
+      </p:grpSpPr>
       <p:sp>
         <p:nvSpPr>
           <p:cNvPr id="2" name="Title 1"/>
@@ -8844,12 +8992,12 @@
         <p:spPr/>
         <p:txBody>
           <a:bodyPr/>
+          <a:lstStyle/>
           <a:p>
             <a:r>
               <a:rPr lang="en-CA" altLang="en-US"/>
               <a:t>Data Preparation for Association RULE</a:t>
             </a:r>
-            <a:endParaRPr lang="en-CA" altLang="en-US"/>
           </a:p>
         </p:txBody>
       </p:sp>
@@ -8857,7 +9005,7 @@
         <p:nvGraphicFramePr>
           <p:cNvPr id="5" name="Content Placeholder 4"/>
           <p:cNvGraphicFramePr>
-            <a:graphicFrameLocks noChangeAspect="1"/>
+            <a:graphicFrameLocks noGrp="1" noChangeAspect="1"/>
           </p:cNvGraphicFramePr>
           <p:nvPr>
             <p:ph sz="half" idx="1"/>
@@ -8871,12 +9019,12 @@
           <a:graphicData uri="http://schemas.openxmlformats.org/presentationml/2006/ole">
             <mc:AlternateContent xmlns:mc="http://schemas.openxmlformats.org/markup-compatibility/2006">
               <mc:Choice xmlns:v="urn:schemas-microsoft-com:vml" Requires="v">
-                <p:oleObj spid="_x0000_s6" name="" r:id="rId1" imgW="7820025" imgH="5133975" progId="Paint.Picture">
+                <p:oleObj r:id="rId2" imgW="7820025" imgH="5133975" progId="Paint.Picture">
                   <p:embed/>
                 </p:oleObj>
               </mc:Choice>
               <mc:Fallback>
-                <p:oleObj name="" r:id="rId1" imgW="7820025" imgH="5133975" progId="Paint.Picture">
+                <p:oleObj r:id="rId2" imgW="7820025" imgH="5133975" progId="Paint.Picture">
                   <p:embed/>
                   <p:pic>
                     <p:nvPicPr>
@@ -8885,7 +9033,7 @@
                       <p:nvPr/>
                     </p:nvPicPr>
                     <p:blipFill>
-                      <a:blip r:embed="rId2"/>
+                      <a:blip r:embed="rId3"/>
                       <a:stretch>
                         <a:fillRect/>
                       </a:stretch>
@@ -8909,7 +9057,9 @@
       <p:sp>
         <p:nvSpPr>
           <p:cNvPr id="8" name="Content Placeholder 7"/>
-          <p:cNvSpPr/>
+          <p:cNvSpPr>
+            <a:spLocks noGrp="1"/>
+          </p:cNvSpPr>
           <p:nvPr>
             <p:ph sz="half" idx="2"/>
           </p:nvPr>
@@ -8917,6 +9067,7 @@
         <p:spPr/>
         <p:txBody>
           <a:bodyPr/>
+          <a:lstStyle/>
           <a:p>
             <a:endParaRPr lang="en-US"/>
           </a:p>
@@ -8939,7 +9090,14 @@
         <p:cNvGrpSpPr/>
         <p:nvPr/>
       </p:nvGrpSpPr>
-      <p:grpSpPr/>
+      <p:grpSpPr>
+        <a:xfrm>
+          <a:off x="0" y="0"/>
+          <a:ext cx="0" cy="0"/>
+          <a:chOff x="0" y="0"/>
+          <a:chExt cx="0" cy="0"/>
+        </a:xfrm>
+      </p:grpSpPr>
       <p:sp>
         <p:nvSpPr>
           <p:cNvPr id="2" name="Title 1"/>
@@ -8953,6 +9111,7 @@
         <p:spPr/>
         <p:txBody>
           <a:bodyPr/>
+          <a:lstStyle/>
           <a:p>
             <a:endParaRPr lang="en-US"/>
           </a:p>
@@ -8971,6 +9130,7 @@
         <p:spPr/>
         <p:txBody>
           <a:bodyPr/>
+          <a:lstStyle/>
           <a:p>
             <a:pPr marL="0" indent="0">
               <a:buNone/>
@@ -8979,7 +9139,6 @@
               <a:rPr lang="en-CA" altLang="en-US"/>
               <a:t>Transaction data in Transaction format</a:t>
             </a:r>
-            <a:endParaRPr lang="en-CA" altLang="en-US"/>
           </a:p>
           <a:p>
             <a:pPr marL="0" indent="0">
@@ -8992,7 +9151,9 @@
       <p:sp>
         <p:nvSpPr>
           <p:cNvPr id="7" name="Content Placeholder 6"/>
-          <p:cNvSpPr/>
+          <p:cNvSpPr>
+            <a:spLocks noGrp="1"/>
+          </p:cNvSpPr>
           <p:nvPr>
             <p:ph sz="half" idx="1"/>
           </p:nvPr>
@@ -9000,6 +9161,7 @@
         <p:spPr/>
         <p:txBody>
           <a:bodyPr/>
+          <a:lstStyle/>
           <a:p>
             <a:endParaRPr lang="en-US"/>
           </a:p>
@@ -9021,12 +9183,12 @@
           <a:graphicData uri="http://schemas.openxmlformats.org/presentationml/2006/ole">
             <mc:AlternateContent xmlns:mc="http://schemas.openxmlformats.org/markup-compatibility/2006">
               <mc:Choice xmlns:v="urn:schemas-microsoft-com:vml" Requires="v">
-                <p:oleObj spid="_x0000_s9" name="" r:id="rId1" imgW="3724275" imgH="5514975" progId="Paint.Picture">
+                <p:oleObj r:id="rId3" imgW="3724275" imgH="5514975" progId="Paint.Picture">
                   <p:embed/>
                 </p:oleObj>
               </mc:Choice>
               <mc:Fallback>
-                <p:oleObj name="" r:id="rId1" imgW="3724275" imgH="5514975" progId="Paint.Picture">
+                <p:oleObj r:id="rId3" imgW="3724275" imgH="5514975" progId="Paint.Picture">
                   <p:embed/>
                   <p:pic>
                     <p:nvPicPr>
@@ -9035,7 +9197,7 @@
                       <p:nvPr/>
                     </p:nvPicPr>
                     <p:blipFill>
-                      <a:blip r:embed="rId2"/>
+                      <a:blip r:embed="rId4"/>
                       <a:stretch>
                         <a:fillRect/>
                       </a:stretch>
@@ -9097,10 +9259,9 @@
           <a:lstStyle/>
           <a:p>
             <a:r>
-              <a:rPr lang="en-CA" dirty="0" smtClean="0"/>
+              <a:rPr lang="en-CA" dirty="0"/>
               <a:t>About SMART CART</a:t>
             </a:r>
-            <a:endParaRPr lang="en-CA" dirty="0"/>
           </a:p>
         </p:txBody>
       </p:sp>
@@ -9120,31 +9281,27 @@
           <a:lstStyle/>
           <a:p>
             <a:r>
-              <a:rPr lang="en-CA" dirty="0" smtClean="0"/>
+              <a:rPr lang="en-CA" dirty="0"/>
               <a:t>LARGE ONLINE GROCERY RETAILER</a:t>
             </a:r>
-            <a:endParaRPr lang="en-CA" dirty="0" smtClean="0"/>
-          </a:p>
-          <a:p>
-            <a:r>
-              <a:rPr lang="en-CA" dirty="0" smtClean="0"/>
+          </a:p>
+          <a:p>
+            <a:r>
+              <a:rPr lang="en-CA" dirty="0"/>
               <a:t>AROUND 200K RETURNING CUSTOMERS  AND 50K UNIQUE PRODUCTS</a:t>
             </a:r>
-            <a:endParaRPr lang="en-CA" dirty="0" smtClean="0"/>
-          </a:p>
-          <a:p>
-            <a:r>
-              <a:rPr lang="en-CA" dirty="0" smtClean="0"/>
+          </a:p>
+          <a:p>
+            <a:r>
+              <a:rPr lang="en-CA" dirty="0"/>
               <a:t>IMPROVE CUSTOMER EXPERIENCE </a:t>
             </a:r>
-            <a:endParaRPr lang="en-CA" dirty="0" smtClean="0"/>
-          </a:p>
-          <a:p>
-            <a:r>
-              <a:rPr lang="en-CA" dirty="0" smtClean="0"/>
+          </a:p>
+          <a:p>
+            <a:r>
+              <a:rPr lang="en-CA" dirty="0"/>
               <a:t>INCREASE SAES</a:t>
             </a:r>
-            <a:endParaRPr lang="en-CA" dirty="0" smtClean="0"/>
           </a:p>
           <a:p>
             <a:endParaRPr lang="en-CA" dirty="0"/>
@@ -9200,7 +9357,6 @@
               <a:rPr lang="en-CA" dirty="0"/>
               <a:t>Association rule</a:t>
             </a:r>
-            <a:endParaRPr lang="en-CA" dirty="0"/>
           </a:p>
         </p:txBody>
       </p:sp>
@@ -9230,21 +9386,18 @@
               <a:rPr lang="en-CA" sz="2400" dirty="0"/>
               <a:t>List of items with the same order ID are studied as a group – user information will not be taken into consideration.</a:t>
             </a:r>
-            <a:endParaRPr lang="en-CA" sz="2400" dirty="0"/>
           </a:p>
           <a:p>
             <a:r>
               <a:rPr lang="en-CA" sz="2400" dirty="0"/>
               <a:t>Goal: to recommend frequently bought together items</a:t>
             </a:r>
-            <a:endParaRPr lang="en-CA" sz="2400" dirty="0"/>
           </a:p>
           <a:p>
             <a:r>
               <a:rPr lang="en-CA" sz="2400" dirty="0"/>
               <a:t>Metrics to measure the strength of the rules</a:t>
             </a:r>
-            <a:endParaRPr lang="en-CA" sz="2400" dirty="0"/>
           </a:p>
           <a:p>
             <a:pPr lvl="1"/>
@@ -9264,7 +9417,6 @@
               <a:rPr lang="en-US" sz="2000" dirty="0"/>
               <a:t>(the itemset should occur in at least 0.05% of all transactions)</a:t>
             </a:r>
-            <a:endParaRPr lang="en-US" sz="2000" dirty="0"/>
           </a:p>
           <a:p>
             <a:pPr lvl="1"/>
@@ -9276,7 +9428,6 @@
               <a:rPr lang="en-US" sz="2000" b="1" dirty="0"/>
               <a:t>0.4</a:t>
             </a:r>
-            <a:endParaRPr lang="en-US" sz="2000" b="1" dirty="0"/>
           </a:p>
           <a:p>
             <a:pPr lvl="1"/>
@@ -9284,7 +9435,6 @@
               <a:rPr lang="en-US" sz="2000" dirty="0"/>
               <a:t>Lift:  the rise of the confidence that {X} provides to us for having {Y} on the cart (whether X increases the chance of buying Y). </a:t>
             </a:r>
-            <a:endParaRPr lang="en-US" sz="2000" dirty="0"/>
           </a:p>
           <a:p>
             <a:pPr lvl="1"/>
@@ -9336,7 +9486,6 @@
               <a:rPr lang="en-CA" dirty="0"/>
               <a:t>Association rule</a:t>
             </a:r>
-            <a:endParaRPr lang="en-CA" dirty="0"/>
           </a:p>
         </p:txBody>
       </p:sp>
@@ -9366,14 +9515,12 @@
               <a:rPr lang="en-CA" dirty="0"/>
               <a:t>In total, there are 3,214,874 unique orders and 49,677 unique product names</a:t>
             </a:r>
-            <a:endParaRPr lang="en-CA" dirty="0"/>
           </a:p>
           <a:p>
             <a:r>
               <a:rPr lang="en-CA" dirty="0"/>
               <a:t>We chose the top 50 products to mine the rules</a:t>
             </a:r>
-            <a:endParaRPr lang="en-CA" dirty="0"/>
           </a:p>
           <a:p>
             <a:pPr lvl="1"/>
@@ -9381,7 +9528,6 @@
               <a:rPr lang="en-CA" dirty="0"/>
               <a:t>Less frequently bought items have less chance of appearing in any rules</a:t>
             </a:r>
-            <a:endParaRPr lang="en-CA" dirty="0"/>
           </a:p>
           <a:p>
             <a:pPr lvl="1"/>
@@ -9389,14 +9535,12 @@
               <a:rPr lang="en-CA" dirty="0"/>
               <a:t>Less frequently bought items will not affect the rules much</a:t>
             </a:r>
-            <a:endParaRPr lang="en-CA" dirty="0"/>
           </a:p>
           <a:p>
             <a:r>
               <a:rPr lang="en-US" sz="2000" dirty="0"/>
               <a:t>61 rules</a:t>
             </a:r>
-            <a:endParaRPr lang="en-US" sz="2000" dirty="0"/>
           </a:p>
         </p:txBody>
       </p:sp>
@@ -9409,7 +9553,7 @@
           <p:nvPr/>
         </p:nvPicPr>
         <p:blipFill>
-          <a:blip r:embed="rId1">
+          <a:blip r:embed="rId3">
             <a:extLst>
               <a:ext uri="{28A0092B-C50C-407E-A947-70E740481C1C}">
                 <a14:useLocalDpi xmlns:a14="http://schemas.microsoft.com/office/drawing/2010/main" val="0"/>
@@ -9474,13 +9618,18 @@
               <a:rPr lang="en-CA" dirty="0"/>
               <a:t>Mined rules</a:t>
             </a:r>
-            <a:endParaRPr lang="en-CA" dirty="0"/>
           </a:p>
         </p:txBody>
       </p:sp>
       <p:pic>
         <p:nvPicPr>
-          <p:cNvPr id="6" name="Content Placeholder 5"/>
+          <p:cNvPr id="8" name="Content Placeholder 7">
+            <a:extLst>
+              <a:ext uri="{FF2B5EF4-FFF2-40B4-BE49-F238E27FC236}">
+                <a16:creationId xmlns:a16="http://schemas.microsoft.com/office/drawing/2014/main" id="{FF259B17-0925-49B0-A802-10CDD4A79789}"/>
+              </a:ext>
+            </a:extLst>
+          </p:cNvPr>
           <p:cNvPicPr>
             <a:picLocks noGrp="1" noChangeAspect="1"/>
           </p:cNvPicPr>
@@ -9489,7 +9638,7 @@
           </p:nvPr>
         </p:nvPicPr>
         <p:blipFill>
-          <a:blip r:embed="rId1">
+          <a:blip r:embed="rId2">
             <a:extLst>
               <a:ext uri="{28A0092B-C50C-407E-A947-70E740481C1C}">
                 <a14:useLocalDpi xmlns:a14="http://schemas.microsoft.com/office/drawing/2010/main" val="0"/>
@@ -9502,8 +9651,8 @@
         </p:blipFill>
         <p:spPr>
           <a:xfrm>
-            <a:off x="4910506" y="938463"/>
-            <a:ext cx="7281496" cy="5201069"/>
+            <a:off x="4944979" y="977726"/>
+            <a:ext cx="7234989" cy="5167850"/>
           </a:xfrm>
         </p:spPr>
       </p:pic>
@@ -9526,12 +9675,48 @@
                 <a:tableStyleId>{5C22544A-7EE6-4342-B048-85BDC9FD1C3A}</a:tableStyleId>
               </a:tblPr>
               <a:tblGrid>
-                <a:gridCol w="1710339"/>
-                <a:gridCol w="361279"/>
-                <a:gridCol w="1383300"/>
-                <a:gridCol w="854242"/>
-                <a:gridCol w="1062038"/>
-                <a:gridCol w="631128"/>
+                <a:gridCol w="1710339">
+                  <a:extLst>
+                    <a:ext uri="{9D8B030D-6E8A-4147-A177-3AD203B41FA5}">
+                      <a16:colId xmlns:a16="http://schemas.microsoft.com/office/drawing/2014/main" val="20000"/>
+                    </a:ext>
+                  </a:extLst>
+                </a:gridCol>
+                <a:gridCol w="361279">
+                  <a:extLst>
+                    <a:ext uri="{9D8B030D-6E8A-4147-A177-3AD203B41FA5}">
+                      <a16:colId xmlns:a16="http://schemas.microsoft.com/office/drawing/2014/main" val="20001"/>
+                    </a:ext>
+                  </a:extLst>
+                </a:gridCol>
+                <a:gridCol w="1383300">
+                  <a:extLst>
+                    <a:ext uri="{9D8B030D-6E8A-4147-A177-3AD203B41FA5}">
+                      <a16:colId xmlns:a16="http://schemas.microsoft.com/office/drawing/2014/main" val="20002"/>
+                    </a:ext>
+                  </a:extLst>
+                </a:gridCol>
+                <a:gridCol w="854242">
+                  <a:extLst>
+                    <a:ext uri="{9D8B030D-6E8A-4147-A177-3AD203B41FA5}">
+                      <a16:colId xmlns:a16="http://schemas.microsoft.com/office/drawing/2014/main" val="20003"/>
+                    </a:ext>
+                  </a:extLst>
+                </a:gridCol>
+                <a:gridCol w="1062038">
+                  <a:extLst>
+                    <a:ext uri="{9D8B030D-6E8A-4147-A177-3AD203B41FA5}">
+                      <a16:colId xmlns:a16="http://schemas.microsoft.com/office/drawing/2014/main" val="20004"/>
+                    </a:ext>
+                  </a:extLst>
+                </a:gridCol>
+                <a:gridCol w="631128">
+                  <a:extLst>
+                    <a:ext uri="{9D8B030D-6E8A-4147-A177-3AD203B41FA5}">
+                      <a16:colId xmlns:a16="http://schemas.microsoft.com/office/drawing/2014/main" val="20005"/>
+                    </a:ext>
+                  </a:extLst>
+                </a:gridCol>
               </a:tblGrid>
               <a:tr h="635374">
                 <a:tc>
@@ -9672,6 +9857,11 @@
                   </a:txBody>
                   <a:tcPr marL="6350" marR="6350" marT="6350" marB="0" anchor="ctr"/>
                 </a:tc>
+                <a:extLst>
+                  <a:ext uri="{0D108BD9-81ED-4DB2-BD59-A6C34878D82A}">
+                    <a16:rowId xmlns:a16="http://schemas.microsoft.com/office/drawing/2014/main" val="10000"/>
+                  </a:ext>
+                </a:extLst>
               </a:tr>
               <a:tr h="635374">
                 <a:tc>
@@ -9812,6 +10002,11 @@
                   </a:txBody>
                   <a:tcPr marL="6350" marR="6350" marT="6350" marB="0" anchor="ctr"/>
                 </a:tc>
+                <a:extLst>
+                  <a:ext uri="{0D108BD9-81ED-4DB2-BD59-A6C34878D82A}">
+                    <a16:rowId xmlns:a16="http://schemas.microsoft.com/office/drawing/2014/main" val="10001"/>
+                  </a:ext>
+                </a:extLst>
               </a:tr>
               <a:tr h="1263480">
                 <a:tc>
@@ -9826,9 +10021,6 @@
                         </a:rPr>
                         <a:t>{Bag of Organic Bananas, </a:t>
                       </a:r>
-                      <a:endParaRPr lang="en-US" sz="1800" u="none" strike="noStrike" dirty="0">
-                        <a:effectLst/>
-                      </a:endParaRPr>
                     </a:p>
                     <a:p>
                       <a:pPr algn="l" fontAlgn="ctr"/>
@@ -9902,12 +10094,12 @@
                     <a:p>
                       <a:pPr algn="l" fontAlgn="ctr"/>
                       <a:r>
-                        <a:rPr lang="en-CA" sz="1800" u="none" strike="noStrike">
+                        <a:rPr lang="en-CA" sz="1800" u="none" strike="noStrike" dirty="0">
                           <a:effectLst/>
                         </a:rPr>
                         <a:t>0.00057</a:t>
                       </a:r>
-                      <a:endParaRPr lang="en-CA" sz="1800" b="0" i="0" u="none" strike="noStrike">
+                      <a:endParaRPr lang="en-CA" sz="1800" b="0" i="0" u="none" strike="noStrike" dirty="0">
                         <a:solidFill>
                           <a:srgbClr val="000000"/>
                         </a:solidFill>
@@ -9964,6 +10156,11 @@
                   </a:txBody>
                   <a:tcPr marL="6350" marR="6350" marT="6350" marB="0" anchor="ctr"/>
                 </a:tc>
+                <a:extLst>
+                  <a:ext uri="{0D108BD9-81ED-4DB2-BD59-A6C34878D82A}">
+                    <a16:rowId xmlns:a16="http://schemas.microsoft.com/office/drawing/2014/main" val="10002"/>
+                  </a:ext>
+                </a:extLst>
               </a:tr>
             </a:tbl>
           </a:graphicData>
@@ -10011,19 +10208,7 @@
           <a:p>
             <a:r>
               <a:rPr lang="en-US" dirty="0"/>
-              <a:t>Weighted </a:t>
-            </a:r>
-            <a:r>
-              <a:rPr lang="en-US" dirty="0" smtClean="0"/>
-              <a:t>Alternating </a:t>
-            </a:r>
-            <a:r>
-              <a:rPr lang="en-US" dirty="0"/>
-              <a:t>Least Squares </a:t>
-            </a:r>
-            <a:r>
-              <a:rPr lang="en-US" dirty="0" smtClean="0"/>
-              <a:t>(W-ALS) AND MATRIX FACTORISATION </a:t>
+              <a:t>Weighted Alternating Least Squares (W-ALS) AND MATRIX FACTORISATION </a:t>
             </a:r>
             <a:endParaRPr lang="en-CA" dirty="0"/>
           </a:p>
@@ -10040,7 +10225,7 @@
           </p:nvPr>
         </p:nvPicPr>
         <p:blipFill>
-          <a:blip r:embed="rId1"/>
+          <a:blip r:embed="rId2"/>
           <a:stretch>
             <a:fillRect/>
           </a:stretch>
@@ -10103,10 +10288,9 @@
           <a:lstStyle/>
           <a:p>
             <a:r>
-              <a:rPr lang="en-CA" dirty="0" smtClean="0"/>
+              <a:rPr lang="en-CA" dirty="0"/>
               <a:t>APPLICATION </a:t>
             </a:r>
-            <a:endParaRPr lang="en-CA" dirty="0"/>
           </a:p>
         </p:txBody>
       </p:sp>
@@ -10121,7 +10305,7 @@
           </p:nvPr>
         </p:nvPicPr>
         <p:blipFill>
-          <a:blip r:embed="rId1"/>
+          <a:blip r:embed="rId2"/>
           <a:stretch>
             <a:fillRect/>
           </a:stretch>
@@ -10153,7 +10337,14 @@
         <p:cNvGrpSpPr/>
         <p:nvPr/>
       </p:nvGrpSpPr>
-      <p:grpSpPr/>
+      <p:grpSpPr>
+        <a:xfrm>
+          <a:off x="0" y="0"/>
+          <a:ext cx="0" cy="0"/>
+          <a:chOff x="0" y="0"/>
+          <a:chExt cx="0" cy="0"/>
+        </a:xfrm>
+      </p:grpSpPr>
       <p:sp>
         <p:nvSpPr>
           <p:cNvPr id="2" name="Title 1"/>
@@ -10167,12 +10358,12 @@
         <p:spPr/>
         <p:txBody>
           <a:bodyPr/>
+          <a:lstStyle/>
           <a:p>
             <a:r>
               <a:rPr lang="en-CA" altLang="en-US"/>
               <a:t>RecommenderLab FOr evaluation of different Recommender Systems</a:t>
             </a:r>
-            <a:endParaRPr lang="en-CA" altLang="en-US"/>
           </a:p>
         </p:txBody>
       </p:sp>
@@ -10189,6 +10380,7 @@
         <p:spPr/>
         <p:txBody>
           <a:bodyPr/>
+          <a:lstStyle/>
           <a:p>
             <a:r>
               <a:rPr lang="en-US"/>
@@ -10202,14 +10394,12 @@
               <a:rPr lang="en-US"/>
               <a:t>systems.</a:t>
             </a:r>
-            <a:endParaRPr lang="en-US"/>
           </a:p>
           <a:p>
             <a:r>
               <a:rPr lang="en-US"/>
               <a:t>2 types of rating matrix for modelling is available</a:t>
             </a:r>
-            <a:endParaRPr lang="en-US"/>
           </a:p>
           <a:p>
             <a:r>
@@ -10224,7 +10414,6 @@
               <a:rPr lang="en-US"/>
               <a:t>rating matrix type where 0 indicates product is not purchased, while 1 indicates product is purchased.</a:t>
             </a:r>
-            <a:endParaRPr lang="en-US"/>
           </a:p>
           <a:p>
             <a:pPr marL="0" indent="0">
@@ -10251,7 +10440,14 @@
         <p:cNvGrpSpPr/>
         <p:nvPr/>
       </p:nvGrpSpPr>
-      <p:grpSpPr/>
+      <p:grpSpPr>
+        <a:xfrm>
+          <a:off x="0" y="0"/>
+          <a:ext cx="0" cy="0"/>
+          <a:chOff x="0" y="0"/>
+          <a:chExt cx="0" cy="0"/>
+        </a:xfrm>
+      </p:grpSpPr>
       <p:sp>
         <p:nvSpPr>
           <p:cNvPr id="2" name="Title 1"/>
@@ -10265,6 +10461,7 @@
         <p:spPr/>
         <p:txBody>
           <a:bodyPr/>
+          <a:lstStyle/>
           <a:p>
             <a:r>
               <a:rPr lang="en-US">
@@ -10296,33 +10493,30 @@
           <a:bodyPr>
             <a:normAutofit fontScale="90000"/>
           </a:bodyPr>
+          <a:lstStyle/>
           <a:p>
             <a:r>
               <a:rPr lang="en-US"/>
               <a:t>Evaluate the model’s effectiveness using recommenderlab’s evaluation schemes.</a:t>
             </a:r>
-            <a:endParaRPr lang="en-US"/>
           </a:p>
           <a:p>
             <a:r>
               <a:rPr lang="en-US"/>
               <a:t>Split the data into a training set and test set with train taking 80% of the data and test taking 20% of the</a:t>
             </a:r>
-            <a:endParaRPr lang="en-US"/>
           </a:p>
           <a:p>
             <a:r>
               <a:rPr lang="en-US"/>
               <a:t>data.</a:t>
             </a:r>
-            <a:endParaRPr lang="en-US"/>
           </a:p>
           <a:p>
             <a:r>
               <a:rPr lang="en-US"/>
               <a:t>Set method=“cross” and k=5 for 5 fold cross-validation. Data will be split into k subsets of equal size, and</a:t>
             </a:r>
-            <a:endParaRPr lang="en-US"/>
           </a:p>
           <a:p>
             <a:pPr marL="0" indent="0">
@@ -10332,7 +10526,6 @@
               <a:rPr lang="en-US"/>
               <a:t>80% of data will be used for training and last 20% for evaluation. Models are then estimated recursively</a:t>
             </a:r>
-            <a:endParaRPr lang="en-US"/>
           </a:p>
           <a:p>
             <a:pPr marL="0" indent="0">
@@ -10342,7 +10535,6 @@
               <a:rPr lang="en-US"/>
               <a:t>5 times, and a different train/test split is used each time. </a:t>
             </a:r>
-            <a:endParaRPr lang="en-US"/>
           </a:p>
           <a:p>
             <a:r>
@@ -10357,7 +10549,6 @@
               <a:rPr lang="en-US"/>
               <a:t>evaluation set</a:t>
             </a:r>
-            <a:endParaRPr lang="en-US"/>
           </a:p>
         </p:txBody>
       </p:sp>
@@ -10378,7 +10569,14 @@
         <p:cNvGrpSpPr/>
         <p:nvPr/>
       </p:nvGrpSpPr>
-      <p:grpSpPr/>
+      <p:grpSpPr>
+        <a:xfrm>
+          <a:off x="0" y="0"/>
+          <a:ext cx="0" cy="0"/>
+          <a:chOff x="0" y="0"/>
+          <a:chExt cx="0" cy="0"/>
+        </a:xfrm>
+      </p:grpSpPr>
       <p:sp>
         <p:nvSpPr>
           <p:cNvPr id="5" name="Title 4"/>
@@ -10392,6 +10590,7 @@
         <p:spPr/>
         <p:txBody>
           <a:bodyPr/>
+          <a:lstStyle/>
           <a:p>
             <a:endParaRPr lang="en-US"/>
           </a:p>
@@ -10410,14 +10609,14 @@
         <p:spPr/>
         <p:txBody>
           <a:bodyPr>
-            <a:normAutofit/>
+            <a:normAutofit lnSpcReduction="10000"/>
           </a:bodyPr>
+          <a:lstStyle/>
           <a:p>
             <a:r>
               <a:rPr lang="en-US"/>
               <a:t>Set up a list of algorithms</a:t>
             </a:r>
-            <a:endParaRPr lang="en-US"/>
           </a:p>
           <a:p>
             <a:r>
@@ -10432,30 +10631,33 @@
               <a:rPr lang="en-US"/>
               <a:t>an evaluation scheme. The end product is a evaluation result list.</a:t>
             </a:r>
+          </a:p>
+          <a:p>
             <a:endParaRPr lang="en-US"/>
           </a:p>
-          <a:p>
-            <a:endParaRPr lang="en-US"/>
-          </a:p>
         </p:txBody>
       </p:sp>
       <p:sp>
         <p:nvSpPr>
           <p:cNvPr id="6" name="Content Placeholder 5"/>
-          <p:cNvSpPr/>
+          <p:cNvSpPr>
+            <a:spLocks noGrp="1"/>
+          </p:cNvSpPr>
           <p:nvPr>
             <p:ph sz="half" idx="2"/>
           </p:nvPr>
         </p:nvSpPr>
         <p:spPr/>
         <p:txBody>
-          <a:bodyPr/>
+          <a:bodyPr>
+            <a:normAutofit lnSpcReduction="10000"/>
+          </a:bodyPr>
+          <a:lstStyle/>
           <a:p>
             <a:r>
               <a:rPr lang="en-CA" altLang="en-US"/>
               <a:t>v</a:t>
             </a:r>
-            <a:endParaRPr lang="en-CA" altLang="en-US"/>
           </a:p>
         </p:txBody>
       </p:sp>
@@ -10473,12 +10675,12 @@
           <a:graphicData uri="http://schemas.openxmlformats.org/presentationml/2006/ole">
             <mc:AlternateContent xmlns:mc="http://schemas.openxmlformats.org/markup-compatibility/2006">
               <mc:Choice xmlns:v="urn:schemas-microsoft-com:vml" Requires="v">
-                <p:oleObj spid="_x0000_s8" name="" r:id="rId1" imgW="10810875" imgH="4524375" progId="Paint.Picture">
+                <p:oleObj r:id="rId3" imgW="10810875" imgH="4524375" progId="Paint.Picture">
                   <p:embed/>
                 </p:oleObj>
               </mc:Choice>
               <mc:Fallback>
-                <p:oleObj name="" r:id="rId1" imgW="10810875" imgH="4524375" progId="Paint.Picture">
+                <p:oleObj r:id="rId3" imgW="10810875" imgH="4524375" progId="Paint.Picture">
                   <p:embed/>
                   <p:pic>
                     <p:nvPicPr>
@@ -10487,7 +10689,7 @@
                       <p:nvPr/>
                     </p:nvPicPr>
                     <p:blipFill>
-                      <a:blip r:embed="rId2"/>
+                      <a:blip r:embed="rId4"/>
                       <a:stretch>
                         <a:fillRect/>
                       </a:stretch>
@@ -10525,7 +10727,14 @@
         <p:cNvGrpSpPr/>
         <p:nvPr/>
       </p:nvGrpSpPr>
-      <p:grpSpPr/>
+      <p:grpSpPr>
+        <a:xfrm>
+          <a:off x="0" y="0"/>
+          <a:ext cx="0" cy="0"/>
+          <a:chOff x="0" y="0"/>
+          <a:chExt cx="0" cy="0"/>
+        </a:xfrm>
+      </p:grpSpPr>
       <p:sp>
         <p:nvSpPr>
           <p:cNvPr id="2" name="Title 1"/>
@@ -10539,6 +10748,7 @@
         <p:spPr/>
         <p:txBody>
           <a:bodyPr/>
+          <a:lstStyle/>
           <a:p>
             <a:endParaRPr lang="en-US"/>
           </a:p>
@@ -10557,6 +10767,7 @@
         <p:spPr/>
         <p:txBody>
           <a:bodyPr/>
+          <a:lstStyle/>
           <a:p>
             <a:endParaRPr lang="en-US"/>
           </a:p>
@@ -10566,7 +10777,7 @@
         <p:nvGraphicFramePr>
           <p:cNvPr id="5" name="Content Placeholder 4"/>
           <p:cNvGraphicFramePr>
-            <a:graphicFrameLocks noChangeAspect="1"/>
+            <a:graphicFrameLocks noGrp="1" noChangeAspect="1"/>
           </p:cNvGraphicFramePr>
           <p:nvPr>
             <p:ph sz="half" idx="1"/>
@@ -10580,12 +10791,12 @@
           <a:graphicData uri="http://schemas.openxmlformats.org/presentationml/2006/ole">
             <mc:AlternateContent xmlns:mc="http://schemas.openxmlformats.org/markup-compatibility/2006">
               <mc:Choice xmlns:v="urn:schemas-microsoft-com:vml" Requires="v">
-                <p:oleObj spid="_x0000_s6" name="" r:id="rId1" imgW="5133975" imgH="5172075" progId="Paint.Picture">
+                <p:oleObj r:id="rId2" imgW="5133975" imgH="5172075" progId="Paint.Picture">
                   <p:embed/>
                 </p:oleObj>
               </mc:Choice>
               <mc:Fallback>
-                <p:oleObj name="" r:id="rId1" imgW="5133975" imgH="5172075" progId="Paint.Picture">
+                <p:oleObj r:id="rId2" imgW="5133975" imgH="5172075" progId="Paint.Picture">
                   <p:embed/>
                   <p:pic>
                     <p:nvPicPr>
@@ -10594,7 +10805,7 @@
                       <p:nvPr/>
                     </p:nvPicPr>
                     <p:blipFill>
-                      <a:blip r:embed="rId2"/>
+                      <a:blip r:embed="rId3"/>
                       <a:stretch>
                         <a:fillRect/>
                       </a:stretch>
@@ -10632,7 +10843,14 @@
         <p:cNvGrpSpPr/>
         <p:nvPr/>
       </p:nvGrpSpPr>
-      <p:grpSpPr/>
+      <p:grpSpPr>
+        <a:xfrm>
+          <a:off x="0" y="0"/>
+          <a:ext cx="0" cy="0"/>
+          <a:chOff x="0" y="0"/>
+          <a:chExt cx="0" cy="0"/>
+        </a:xfrm>
+      </p:grpSpPr>
       <p:sp>
         <p:nvSpPr>
           <p:cNvPr id="2" name="Title 1"/>
@@ -10646,6 +10864,7 @@
         <p:spPr/>
         <p:txBody>
           <a:bodyPr/>
+          <a:lstStyle/>
           <a:p>
             <a:endParaRPr lang="en-US"/>
           </a:p>
@@ -10664,6 +10883,7 @@
         <p:spPr/>
         <p:txBody>
           <a:bodyPr/>
+          <a:lstStyle/>
           <a:p>
             <a:endParaRPr lang="en-US"/>
           </a:p>
@@ -10673,7 +10893,7 @@
         <p:nvGraphicFramePr>
           <p:cNvPr id="5" name="Content Placeholder 4"/>
           <p:cNvGraphicFramePr>
-            <a:graphicFrameLocks noChangeAspect="1"/>
+            <a:graphicFrameLocks noGrp="1" noChangeAspect="1"/>
           </p:cNvGraphicFramePr>
           <p:nvPr>
             <p:ph sz="half" idx="1"/>
@@ -10687,12 +10907,12 @@
           <a:graphicData uri="http://schemas.openxmlformats.org/presentationml/2006/ole">
             <mc:AlternateContent xmlns:mc="http://schemas.openxmlformats.org/markup-compatibility/2006">
               <mc:Choice xmlns:v="urn:schemas-microsoft-com:vml" Requires="v">
-                <p:oleObj spid="_x0000_s6" name="" r:id="rId1" imgW="7058025" imgH="4543425" progId="Paint.Picture">
+                <p:oleObj r:id="rId2" imgW="7058025" imgH="4543425" progId="Paint.Picture">
                   <p:embed/>
                 </p:oleObj>
               </mc:Choice>
               <mc:Fallback>
-                <p:oleObj name="" r:id="rId1" imgW="7058025" imgH="4543425" progId="Paint.Picture">
+                <p:oleObj r:id="rId2" imgW="7058025" imgH="4543425" progId="Paint.Picture">
                   <p:embed/>
                   <p:pic>
                     <p:nvPicPr>
@@ -10701,7 +10921,7 @@
                       <p:nvPr/>
                     </p:nvPicPr>
                     <p:blipFill>
-                      <a:blip r:embed="rId2"/>
+                      <a:blip r:embed="rId3"/>
                       <a:stretch>
                         <a:fillRect/>
                       </a:stretch>
@@ -10763,10 +10983,9 @@
           <a:lstStyle/>
           <a:p>
             <a:r>
-              <a:rPr lang="en-CA" dirty="0" smtClean="0"/>
+              <a:rPr lang="en-CA" dirty="0"/>
               <a:t>SMART CART FUTURE</a:t>
             </a:r>
-            <a:endParaRPr lang="en-CA" dirty="0"/>
           </a:p>
         </p:txBody>
       </p:sp>
@@ -10789,28 +11008,24 @@
               <a:rPr lang="en-CA" dirty="0"/>
               <a:t>IMPROVE CUSTOMER EXPERIENCE </a:t>
             </a:r>
-            <a:endParaRPr lang="en-CA" dirty="0" smtClean="0"/>
-          </a:p>
-          <a:p>
-            <a:r>
-              <a:rPr lang="en-CA" dirty="0" smtClean="0"/>
+          </a:p>
+          <a:p>
+            <a:r>
+              <a:rPr lang="en-CA" dirty="0"/>
               <a:t>DECISSION FATIGUE</a:t>
             </a:r>
-            <a:endParaRPr lang="en-CA" dirty="0"/>
-          </a:p>
-          <a:p>
-            <a:r>
-              <a:rPr lang="en-CA" dirty="0" smtClean="0"/>
+          </a:p>
+          <a:p>
+            <a:r>
+              <a:rPr lang="en-CA" dirty="0"/>
               <a:t>RECOMMENDATION SYSTEM</a:t>
             </a:r>
-            <a:endParaRPr lang="en-CA" dirty="0" smtClean="0"/>
-          </a:p>
-          <a:p>
-            <a:r>
-              <a:rPr lang="en-CA" dirty="0" smtClean="0"/>
+          </a:p>
+          <a:p>
+            <a:r>
+              <a:rPr lang="en-CA" dirty="0"/>
               <a:t>IMPROVE SALES</a:t>
             </a:r>
-            <a:endParaRPr lang="en-CA" dirty="0"/>
           </a:p>
           <a:p>
             <a:endParaRPr lang="en-CA" dirty="0"/>
@@ -10834,7 +11049,14 @@
         <p:cNvGrpSpPr/>
         <p:nvPr/>
       </p:nvGrpSpPr>
-      <p:grpSpPr/>
+      <p:grpSpPr>
+        <a:xfrm>
+          <a:off x="0" y="0"/>
+          <a:ext cx="0" cy="0"/>
+          <a:chOff x="0" y="0"/>
+          <a:chExt cx="0" cy="0"/>
+        </a:xfrm>
+      </p:grpSpPr>
       <p:sp>
         <p:nvSpPr>
           <p:cNvPr id="2" name="Title 1"/>
@@ -10848,6 +11070,7 @@
         <p:spPr/>
         <p:txBody>
           <a:bodyPr/>
+          <a:lstStyle/>
           <a:p>
             <a:endParaRPr lang="en-US"/>
           </a:p>
@@ -10866,6 +11089,7 @@
         <p:spPr/>
         <p:txBody>
           <a:bodyPr/>
+          <a:lstStyle/>
           <a:p>
             <a:endParaRPr lang="en-US"/>
           </a:p>
@@ -10875,7 +11099,7 @@
         <p:nvGraphicFramePr>
           <p:cNvPr id="5" name="Content Placeholder 4"/>
           <p:cNvGraphicFramePr>
-            <a:graphicFrameLocks noChangeAspect="1"/>
+            <a:graphicFrameLocks noGrp="1" noChangeAspect="1"/>
           </p:cNvGraphicFramePr>
           <p:nvPr>
             <p:ph sz="half" idx="1"/>
@@ -10889,12 +11113,12 @@
           <a:graphicData uri="http://schemas.openxmlformats.org/presentationml/2006/ole">
             <mc:AlternateContent xmlns:mc="http://schemas.openxmlformats.org/markup-compatibility/2006">
               <mc:Choice xmlns:v="urn:schemas-microsoft-com:vml" Requires="v">
-                <p:oleObj spid="_x0000_s6" name="" r:id="rId1" imgW="7343775" imgH="4448175" progId="Paint.Picture">
+                <p:oleObj r:id="rId3" imgW="7343775" imgH="4448175" progId="Paint.Picture">
                   <p:embed/>
                 </p:oleObj>
               </mc:Choice>
               <mc:Fallback>
-                <p:oleObj name="" r:id="rId1" imgW="7343775" imgH="4448175" progId="Paint.Picture">
+                <p:oleObj r:id="rId3" imgW="7343775" imgH="4448175" progId="Paint.Picture">
                   <p:embed/>
                   <p:pic>
                     <p:nvPicPr>
@@ -10903,7 +11127,7 @@
                       <p:nvPr/>
                     </p:nvPicPr>
                     <p:blipFill>
-                      <a:blip r:embed="rId2"/>
+                      <a:blip r:embed="rId4"/>
                       <a:stretch>
                         <a:fillRect/>
                       </a:stretch>
@@ -10941,7 +11165,14 @@
         <p:cNvGrpSpPr/>
         <p:nvPr/>
       </p:nvGrpSpPr>
-      <p:grpSpPr/>
+      <p:grpSpPr>
+        <a:xfrm>
+          <a:off x="0" y="0"/>
+          <a:ext cx="0" cy="0"/>
+          <a:chOff x="0" y="0"/>
+          <a:chExt cx="0" cy="0"/>
+        </a:xfrm>
+      </p:grpSpPr>
       <p:sp>
         <p:nvSpPr>
           <p:cNvPr id="2" name="Title 1"/>
@@ -10955,12 +11186,12 @@
         <p:spPr/>
         <p:txBody>
           <a:bodyPr/>
+          <a:lstStyle/>
           <a:p>
             <a:r>
               <a:rPr lang="en-CA" altLang="en-US"/>
               <a:t>Thanks for Listening!</a:t>
             </a:r>
-            <a:endParaRPr lang="en-CA" altLang="en-US"/>
           </a:p>
         </p:txBody>
       </p:sp>
@@ -10977,6 +11208,7 @@
         <p:spPr/>
         <p:txBody>
           <a:bodyPr/>
+          <a:lstStyle/>
           <a:p>
             <a:endParaRPr lang="en-US"/>
           </a:p>
@@ -10995,6 +11227,7 @@
         <p:spPr/>
         <p:txBody>
           <a:bodyPr/>
+          <a:lstStyle/>
           <a:p>
             <a:endParaRPr lang="en-US"/>
           </a:p>
@@ -11041,10 +11274,9 @@
           <a:lstStyle/>
           <a:p>
             <a:r>
-              <a:rPr lang="en-CA" dirty="0" smtClean="0"/>
+              <a:rPr lang="en-CA" dirty="0"/>
               <a:t>OBECTIVE</a:t>
             </a:r>
-            <a:endParaRPr lang="en-CA" dirty="0"/>
           </a:p>
         </p:txBody>
       </p:sp>
@@ -11064,24 +11296,21 @@
           <a:lstStyle/>
           <a:p>
             <a:r>
-              <a:rPr lang="en-CA" dirty="0" smtClean="0"/>
+              <a:rPr lang="en-CA" dirty="0"/>
               <a:t>FIND SIMILAR ITEMS USING ITEM BASED COLLABORATIVE FILTERING</a:t>
             </a:r>
-            <a:endParaRPr lang="en-CA" dirty="0" smtClean="0"/>
-          </a:p>
-          <a:p>
-            <a:r>
-              <a:rPr lang="en-CA" dirty="0" smtClean="0"/>
+          </a:p>
+          <a:p>
+            <a:r>
+              <a:rPr lang="en-CA" dirty="0"/>
               <a:t>FIND FREQUENTLY BOUGHT ITEMS  USING ASSOCIATION RULE MINING</a:t>
             </a:r>
-            <a:endParaRPr lang="en-CA" dirty="0" smtClean="0"/>
-          </a:p>
-          <a:p>
-            <a:r>
-              <a:rPr lang="en-CA" dirty="0" smtClean="0"/>
+          </a:p>
+          <a:p>
+            <a:r>
+              <a:rPr lang="en-CA" dirty="0"/>
               <a:t> RECOMMENDATION BASED ON ITEMS ADDED TO CART</a:t>
             </a:r>
-            <a:endParaRPr lang="en-CA" dirty="0" smtClean="0"/>
           </a:p>
         </p:txBody>
       </p:sp>
@@ -11126,10 +11355,9 @@
           <a:lstStyle/>
           <a:p>
             <a:r>
-              <a:rPr lang="en-CA" dirty="0" smtClean="0"/>
+              <a:rPr lang="en-CA" dirty="0"/>
               <a:t>WORK FLOW</a:t>
             </a:r>
-            <a:endParaRPr lang="en-CA" dirty="0"/>
           </a:p>
         </p:txBody>
       </p:sp>
@@ -11149,7 +11377,7 @@
         </p:xfrm>
         <a:graphic>
           <a:graphicData uri="http://schemas.openxmlformats.org/drawingml/2006/diagram">
-            <dgm:relIds xmlns:dgm="http://schemas.openxmlformats.org/drawingml/2006/diagram" xmlns:r="http://schemas.openxmlformats.org/officeDocument/2006/relationships" r:dm="rId1" r:lo="rId2" r:qs="rId3" r:cs="rId4"/>
+            <dgm:relIds xmlns:dgm="http://schemas.openxmlformats.org/drawingml/2006/diagram" xmlns:r="http://schemas.openxmlformats.org/officeDocument/2006/relationships" r:dm="rId2" r:lo="rId3" r:qs="rId4" r:cs="rId5"/>
           </a:graphicData>
         </a:graphic>
       </p:graphicFrame>
@@ -11197,7 +11425,6 @@
               <a:rPr lang="en-CA" dirty="0"/>
               <a:t>Data Understanding</a:t>
             </a:r>
-            <a:endParaRPr lang="en-CA" dirty="0"/>
           </a:p>
         </p:txBody>
       </p:sp>
@@ -11227,14 +11454,12 @@
               <a:rPr lang="en-US" dirty="0"/>
               <a:t>aisles.csv - contains aisle id and aisle description columns</a:t>
             </a:r>
-            <a:endParaRPr lang="en-US" dirty="0"/>
           </a:p>
           <a:p>
             <a:r>
               <a:rPr lang="en-US" dirty="0"/>
               <a:t>departments.csv - contains department id and department description columns</a:t>
             </a:r>
-            <a:endParaRPr lang="en-US" dirty="0"/>
           </a:p>
           <a:p>
             <a:r>
@@ -11276,7 +11501,6 @@
               <a:rPr lang="en-US" dirty="0"/>
               <a:t>order_products__*.csv - These files specify which products were purchased in each order. </a:t>
             </a:r>
-            <a:endParaRPr lang="en-US" dirty="0"/>
           </a:p>
           <a:p>
             <a:pPr lvl="1"/>
@@ -11284,7 +11508,6 @@
               <a:rPr lang="en-US" dirty="0"/>
               <a:t>order_products__prior.csv contains previous order contents for all customers. 'reordered' indicates that the customer has a previous order that contains the product. </a:t>
             </a:r>
-            <a:endParaRPr lang="en-US" dirty="0"/>
           </a:p>
           <a:p>
             <a:pPr lvl="1"/>
@@ -11292,14 +11515,12 @@
               <a:rPr lang="en-US" dirty="0"/>
               <a:t>order_products_train.csv contains order information for transactions which will be used for training the model.</a:t>
             </a:r>
-            <a:endParaRPr lang="en-US" dirty="0"/>
           </a:p>
           <a:p>
             <a:r>
               <a:rPr lang="en-US" dirty="0"/>
               <a:t>orders.csv - This file tells to which set (prior, train, test) an order belongs. </a:t>
             </a:r>
-            <a:endParaRPr lang="en-US" dirty="0"/>
           </a:p>
           <a:p>
             <a:endParaRPr lang="en-CA" dirty="0"/>
@@ -11350,7 +11571,6 @@
               <a:rPr lang="en-CA" dirty="0"/>
               <a:t>Steps to merge the data sets</a:t>
             </a:r>
-            <a:endParaRPr lang="en-CA" dirty="0"/>
           </a:p>
         </p:txBody>
       </p:sp>
@@ -11380,7 +11600,6 @@
               <a:rPr lang="en-US" dirty="0"/>
               <a:t>1. Merged the aisles data with the products data to obtain Merged dataset 1, so that we know which aisle each product belongs to.</a:t>
             </a:r>
-            <a:endParaRPr lang="en-US" dirty="0"/>
           </a:p>
           <a:p>
             <a:endParaRPr lang="en-US" dirty="0"/>
@@ -11390,7 +11609,6 @@
               <a:rPr lang="en-US" dirty="0"/>
               <a:t>2. Combined the Merged dataset 1 with the department data to obtain Merged dataset 2, so we know which aisle and department each product is from.</a:t>
             </a:r>
-            <a:endParaRPr lang="en-US" dirty="0"/>
           </a:p>
           <a:p>
             <a:endParaRPr lang="en-US" dirty="0"/>
@@ -11416,7 +11634,6 @@
               <a:rPr lang="en-US" dirty="0"/>
               <a:t> files, respectively, to obtain Merged dataset 3 (Train) and Merged dataset 4 (Prior), so that we know the product information (e.g., product names, aisles and departments they belong to) of the products in the training and prior orders.</a:t>
             </a:r>
-            <a:endParaRPr lang="en-US" dirty="0"/>
           </a:p>
           <a:p>
             <a:endParaRPr lang="en-CA" dirty="0"/>
@@ -11440,7 +11657,14 @@
         <p:cNvGrpSpPr/>
         <p:nvPr/>
       </p:nvGrpSpPr>
-      <p:grpSpPr/>
+      <p:grpSpPr>
+        <a:xfrm>
+          <a:off x="0" y="0"/>
+          <a:ext cx="0" cy="0"/>
+          <a:chOff x="0" y="0"/>
+          <a:chExt cx="0" cy="0"/>
+        </a:xfrm>
+      </p:grpSpPr>
       <p:sp>
         <p:nvSpPr>
           <p:cNvPr id="2" name="Title 1"/>
@@ -11459,12 +11683,12 @@
         </p:spPr>
         <p:txBody>
           <a:bodyPr/>
+          <a:lstStyle/>
           <a:p>
             <a:r>
               <a:rPr lang="en-CA" altLang="en-US"/>
               <a:t>structure of original dataset</a:t>
             </a:r>
-            <a:endParaRPr lang="en-CA" altLang="en-US"/>
           </a:p>
         </p:txBody>
       </p:sp>
@@ -11472,7 +11696,7 @@
         <p:nvGraphicFramePr>
           <p:cNvPr id="6" name="Content Placeholder 5"/>
           <p:cNvGraphicFramePr>
-            <a:graphicFrameLocks noChangeAspect="1"/>
+            <a:graphicFrameLocks noGrp="1" noChangeAspect="1"/>
           </p:cNvGraphicFramePr>
           <p:nvPr>
             <p:ph idx="1"/>
@@ -11486,12 +11710,12 @@
           <a:graphicData uri="http://schemas.openxmlformats.org/presentationml/2006/ole">
             <mc:AlternateContent xmlns:mc="http://schemas.openxmlformats.org/markup-compatibility/2006">
               <mc:Choice xmlns:v="urn:schemas-microsoft-com:vml" Requires="v">
-                <p:oleObj spid="_x0000_s7" name="" r:id="rId1" imgW="10677525" imgH="4829175" progId="Paint.Picture">
+                <p:oleObj r:id="rId2" imgW="10677525" imgH="4829175" progId="Paint.Picture">
                   <p:embed/>
                 </p:oleObj>
               </mc:Choice>
               <mc:Fallback>
-                <p:oleObj name="" r:id="rId1" imgW="10677525" imgH="4829175" progId="Paint.Picture">
+                <p:oleObj r:id="rId2" imgW="10677525" imgH="4829175" progId="Paint.Picture">
                   <p:embed/>
                   <p:pic>
                     <p:nvPicPr>
@@ -11500,7 +11724,7 @@
                       <p:nvPr/>
                     </p:nvPicPr>
                     <p:blipFill>
-                      <a:blip r:embed="rId2"/>
+                      <a:blip r:embed="rId3"/>
                       <a:stretch>
                         <a:fillRect/>
                       </a:stretch>
@@ -11538,7 +11762,14 @@
         <p:cNvGrpSpPr/>
         <p:nvPr/>
       </p:nvGrpSpPr>
-      <p:grpSpPr/>
+      <p:grpSpPr>
+        <a:xfrm>
+          <a:off x="0" y="0"/>
+          <a:ext cx="0" cy="0"/>
+          <a:chOff x="0" y="0"/>
+          <a:chExt cx="0" cy="0"/>
+        </a:xfrm>
+      </p:grpSpPr>
       <p:sp>
         <p:nvSpPr>
           <p:cNvPr id="8" name="Title 7"/>
@@ -11552,6 +11783,7 @@
         <p:spPr/>
         <p:txBody>
           <a:bodyPr/>
+          <a:lstStyle/>
           <a:p>
             <a:endParaRPr lang="en-US"/>
           </a:p>
@@ -11561,7 +11793,7 @@
         <p:nvGraphicFramePr>
           <p:cNvPr id="4" name="Content Placeholder 3"/>
           <p:cNvGraphicFramePr>
-            <a:graphicFrameLocks noChangeAspect="1"/>
+            <a:graphicFrameLocks noGrp="1" noChangeAspect="1"/>
           </p:cNvGraphicFramePr>
           <p:nvPr>
             <p:ph sz="half" idx="1"/>
@@ -11575,12 +11807,12 @@
           <a:graphicData uri="http://schemas.openxmlformats.org/presentationml/2006/ole">
             <mc:AlternateContent xmlns:mc="http://schemas.openxmlformats.org/markup-compatibility/2006">
               <mc:Choice xmlns:v="urn:schemas-microsoft-com:vml" Requires="v">
-                <p:oleObj spid="_x0000_s5" name="" r:id="rId1" imgW="5438775" imgH="2114550" progId="Paint.Picture">
+                <p:oleObj r:id="rId2" imgW="5438775" imgH="2114550" progId="Paint.Picture">
                   <p:embed/>
                 </p:oleObj>
               </mc:Choice>
               <mc:Fallback>
-                <p:oleObj name="" r:id="rId1" imgW="5438775" imgH="2114550" progId="Paint.Picture">
+                <p:oleObj r:id="rId2" imgW="5438775" imgH="2114550" progId="Paint.Picture">
                   <p:embed/>
                   <p:pic>
                     <p:nvPicPr>
@@ -11589,7 +11821,7 @@
                       <p:nvPr/>
                     </p:nvPicPr>
                     <p:blipFill>
-                      <a:blip r:embed="rId2"/>
+                      <a:blip r:embed="rId3"/>
                       <a:stretch>
                         <a:fillRect/>
                       </a:stretch>
@@ -11614,7 +11846,7 @@
         <p:nvGraphicFramePr>
           <p:cNvPr id="10" name="Content Placeholder 9"/>
           <p:cNvGraphicFramePr>
-            <a:graphicFrameLocks noChangeAspect="1"/>
+            <a:graphicFrameLocks noGrp="1" noChangeAspect="1"/>
           </p:cNvGraphicFramePr>
           <p:nvPr>
             <p:ph sz="half" idx="2"/>
@@ -11628,12 +11860,12 @@
           <a:graphicData uri="http://schemas.openxmlformats.org/presentationml/2006/ole">
             <mc:AlternateContent xmlns:mc="http://schemas.openxmlformats.org/markup-compatibility/2006">
               <mc:Choice xmlns:v="urn:schemas-microsoft-com:vml" Requires="v">
-                <p:oleObj spid="_x0000_s11" name="" r:id="rId3" imgW="9144000" imgH="1371600" progId="Paint.Picture">
+                <p:oleObj r:id="rId4" imgW="9144000" imgH="1371600" progId="Paint.Picture">
                   <p:embed/>
                 </p:oleObj>
               </mc:Choice>
               <mc:Fallback>
-                <p:oleObj name="" r:id="rId3" imgW="9144000" imgH="1371600" progId="Paint.Picture">
+                <p:oleObj r:id="rId4" imgW="9144000" imgH="1371600" progId="Paint.Picture">
                   <p:embed/>
                   <p:pic>
                     <p:nvPicPr>
@@ -11642,7 +11874,7 @@
                       <p:nvPr/>
                     </p:nvPicPr>
                     <p:blipFill>
-                      <a:blip r:embed="rId4"/>
+                      <a:blip r:embed="rId5"/>
                       <a:stretch>
                         <a:fillRect/>
                       </a:stretch>
@@ -11914,6 +12146,8 @@
       </a:bgFillStyleLst>
     </a:fmtScheme>
   </a:themeElements>
+  <a:objectDefaults/>
+  <a:extraClrSchemeLst/>
   <a:extLst>
     <a:ext uri="{05A4C25C-085E-4340-85A3-A5531E510DB2}">
       <thm15:themeFamily xmlns:thm15="http://schemas.microsoft.com/office/thememl/2012/main" name="Office Theme" id="{62F939B6-93AF-4DB8-9C6B-D6C7DFDC589F}" vid="{4A3C46E8-61CC-4603-A589-7422A47A8E4A}"/>
@@ -12173,6 +12407,8 @@
       </a:bgFillStyleLst>
     </a:fmtScheme>
   </a:themeElements>
+  <a:objectDefaults/>
+  <a:extraClrSchemeLst/>
   <a:extLst>
     <a:ext uri="{05A4C25C-085E-4340-85A3-A5531E510DB2}">
       <thm15:themeFamily xmlns:thm15="http://schemas.microsoft.com/office/thememl/2012/main" name="Office Theme" id="{62F939B6-93AF-4DB8-9C6B-D6C7DFDC589F}" vid="{4A3C46E8-61CC-4603-A589-7422A47A8E4A}"/>
